--- a/clases/Cap05_Evaluacion/presentations/PAT05_AccuracyEstimation.pptx
+++ b/clases/Cap05_Evaluacion/presentations/PAT05_AccuracyEstimation.pptx
@@ -218,7 +218,7 @@
           <a:p>
             <a:fld id="{089CB84B-3086-824D-91F5-F571CFDD3E7D}" type="datetimeFigureOut">
               <a:rPr lang="en-US" smtClean="0"/>
-              <a:t>5/31/18</a:t>
+              <a:t>6/11/20</a:t>
             </a:fld>
             <a:endParaRPr lang="en-US"/>
           </a:p>
@@ -282,35 +282,35 @@
           <a:p>
             <a:pPr lvl="0"/>
             <a:r>
-              <a:rPr lang="es-ES_tradnl" smtClean="0"/>
+              <a:rPr lang="es-ES_tradnl"/>
               <a:t>Click to edit Master text styles</a:t>
             </a:r>
           </a:p>
           <a:p>
             <a:pPr lvl="1"/>
             <a:r>
-              <a:rPr lang="es-ES_tradnl" smtClean="0"/>
+              <a:rPr lang="es-ES_tradnl"/>
               <a:t>Second level</a:t>
             </a:r>
           </a:p>
           <a:p>
             <a:pPr lvl="2"/>
             <a:r>
-              <a:rPr lang="es-ES_tradnl" smtClean="0"/>
+              <a:rPr lang="es-ES_tradnl"/>
               <a:t>Third level</a:t>
             </a:r>
           </a:p>
           <a:p>
             <a:pPr lvl="3"/>
             <a:r>
-              <a:rPr lang="es-ES_tradnl" smtClean="0"/>
+              <a:rPr lang="es-ES_tradnl"/>
               <a:t>Fourth level</a:t>
             </a:r>
           </a:p>
           <a:p>
             <a:pPr lvl="4"/>
             <a:r>
-              <a:rPr lang="es-ES_tradnl" smtClean="0"/>
+              <a:rPr lang="es-ES_tradnl"/>
               <a:t>Fifth level</a:t>
             </a:r>
             <a:endParaRPr lang="en-US"/>
@@ -562,7 +562,7 @@
           <a:lstStyle/>
           <a:p>
             <a:pPr eaLnBrk="1" hangingPunct="1"/>
-            <a:endParaRPr lang="es-ES" smtClean="0"/>
+            <a:endParaRPr lang="es-ES"/>
           </a:p>
         </p:txBody>
       </p:sp>
@@ -617,10 +617,9 @@
           <a:lstStyle/>
           <a:p>
             <a:r>
-              <a:rPr lang="en-US" smtClean="0"/>
+              <a:rPr lang="en-US"/>
               <a:t>Click to edit Master title style</a:t>
             </a:r>
-            <a:endParaRPr lang="en-US"/>
           </a:p>
         </p:txBody>
       </p:sp>
@@ -736,10 +735,9 @@
           </a:lstStyle>
           <a:p>
             <a:r>
-              <a:rPr lang="en-US" smtClean="0"/>
+              <a:rPr lang="en-US"/>
               <a:t>Click to edit Master subtitle style</a:t>
             </a:r>
-            <a:endParaRPr lang="en-US"/>
           </a:p>
         </p:txBody>
       </p:sp>
@@ -758,9 +756,9 @@
           <a:bodyPr/>
           <a:lstStyle/>
           <a:p>
-            <a:fld id="{D3AE09B4-90D0-1245-B83D-B1B2932963E4}" type="datetimeFigureOut">
-              <a:rPr lang="en-US" smtClean="0"/>
-              <a:t>5/31/18</a:t>
+            <a:fld id="{A30D54B3-8F98-4944-A987-F41B1C38F654}" type="datetime1">
+              <a:rPr lang="en-AU" smtClean="0"/>
+              <a:t>11/6/20</a:t>
             </a:fld>
             <a:endParaRPr lang="en-US"/>
           </a:p>
@@ -854,7 +852,7 @@
           <a:lstStyle/>
           <a:p>
             <a:r>
-              <a:rPr lang="es-ES_tradnl" smtClean="0"/>
+              <a:rPr lang="es-ES_tradnl"/>
               <a:t>Click to edit Master title style</a:t>
             </a:r>
             <a:endParaRPr lang="en-US"/>
@@ -878,35 +876,35 @@
           <a:p>
             <a:pPr lvl="0"/>
             <a:r>
-              <a:rPr lang="es-ES_tradnl" smtClean="0"/>
+              <a:rPr lang="es-ES_tradnl"/>
               <a:t>Click to edit Master text styles</a:t>
             </a:r>
           </a:p>
           <a:p>
             <a:pPr lvl="1"/>
             <a:r>
-              <a:rPr lang="es-ES_tradnl" smtClean="0"/>
+              <a:rPr lang="es-ES_tradnl"/>
               <a:t>Second level</a:t>
             </a:r>
           </a:p>
           <a:p>
             <a:pPr lvl="2"/>
             <a:r>
-              <a:rPr lang="es-ES_tradnl" smtClean="0"/>
+              <a:rPr lang="es-ES_tradnl"/>
               <a:t>Third level</a:t>
             </a:r>
           </a:p>
           <a:p>
             <a:pPr lvl="3"/>
             <a:r>
-              <a:rPr lang="es-ES_tradnl" smtClean="0"/>
+              <a:rPr lang="es-ES_tradnl"/>
               <a:t>Fourth level</a:t>
             </a:r>
           </a:p>
           <a:p>
             <a:pPr lvl="4"/>
             <a:r>
-              <a:rPr lang="es-ES_tradnl" smtClean="0"/>
+              <a:rPr lang="es-ES_tradnl"/>
               <a:t>Fifth level</a:t>
             </a:r>
             <a:endParaRPr lang="en-US"/>
@@ -928,9 +926,9 @@
           <a:bodyPr/>
           <a:lstStyle/>
           <a:p>
-            <a:fld id="{D3AE09B4-90D0-1245-B83D-B1B2932963E4}" type="datetimeFigureOut">
-              <a:rPr lang="en-US" smtClean="0"/>
-              <a:t>5/31/18</a:t>
+            <a:fld id="{85D44E0C-36B7-FC45-A118-2276D47A5525}" type="datetime1">
+              <a:rPr lang="en-AU" smtClean="0"/>
+              <a:t>11/6/20</a:t>
             </a:fld>
             <a:endParaRPr lang="en-US"/>
           </a:p>
@@ -1029,7 +1027,7 @@
           <a:lstStyle/>
           <a:p>
             <a:r>
-              <a:rPr lang="es-ES_tradnl" smtClean="0"/>
+              <a:rPr lang="es-ES_tradnl"/>
               <a:t>Click to edit Master title style</a:t>
             </a:r>
             <a:endParaRPr lang="en-US"/>
@@ -1058,35 +1056,35 @@
           <a:p>
             <a:pPr lvl="0"/>
             <a:r>
-              <a:rPr lang="es-ES_tradnl" smtClean="0"/>
+              <a:rPr lang="es-ES_tradnl"/>
               <a:t>Click to edit Master text styles</a:t>
             </a:r>
           </a:p>
           <a:p>
             <a:pPr lvl="1"/>
             <a:r>
-              <a:rPr lang="es-ES_tradnl" smtClean="0"/>
+              <a:rPr lang="es-ES_tradnl"/>
               <a:t>Second level</a:t>
             </a:r>
           </a:p>
           <a:p>
             <a:pPr lvl="2"/>
             <a:r>
-              <a:rPr lang="es-ES_tradnl" smtClean="0"/>
+              <a:rPr lang="es-ES_tradnl"/>
               <a:t>Third level</a:t>
             </a:r>
           </a:p>
           <a:p>
             <a:pPr lvl="3"/>
             <a:r>
-              <a:rPr lang="es-ES_tradnl" smtClean="0"/>
+              <a:rPr lang="es-ES_tradnl"/>
               <a:t>Fourth level</a:t>
             </a:r>
           </a:p>
           <a:p>
             <a:pPr lvl="4"/>
             <a:r>
-              <a:rPr lang="es-ES_tradnl" smtClean="0"/>
+              <a:rPr lang="es-ES_tradnl"/>
               <a:t>Fifth level</a:t>
             </a:r>
             <a:endParaRPr lang="en-US"/>
@@ -1108,9 +1106,9 @@
           <a:bodyPr/>
           <a:lstStyle/>
           <a:p>
-            <a:fld id="{D3AE09B4-90D0-1245-B83D-B1B2932963E4}" type="datetimeFigureOut">
-              <a:rPr lang="en-US" smtClean="0"/>
-              <a:t>5/31/18</a:t>
+            <a:fld id="{FE26F47D-1989-8445-9B94-6D266A527266}" type="datetime1">
+              <a:rPr lang="en-AU" smtClean="0"/>
+              <a:t>11/6/20</a:t>
             </a:fld>
             <a:endParaRPr lang="en-US"/>
           </a:p>
@@ -1204,7 +1202,7 @@
           <a:lstStyle/>
           <a:p>
             <a:r>
-              <a:rPr lang="es-ES_tradnl" smtClean="0"/>
+              <a:rPr lang="es-ES_tradnl"/>
               <a:t>Click to edit Master title style</a:t>
             </a:r>
             <a:endParaRPr lang="en-US"/>
@@ -1228,35 +1226,35 @@
           <a:p>
             <a:pPr lvl="0"/>
             <a:r>
-              <a:rPr lang="es-ES_tradnl" smtClean="0"/>
+              <a:rPr lang="es-ES_tradnl"/>
               <a:t>Click to edit Master text styles</a:t>
             </a:r>
           </a:p>
           <a:p>
             <a:pPr lvl="1"/>
             <a:r>
-              <a:rPr lang="es-ES_tradnl" smtClean="0"/>
+              <a:rPr lang="es-ES_tradnl"/>
               <a:t>Second level</a:t>
             </a:r>
           </a:p>
           <a:p>
             <a:pPr lvl="2"/>
             <a:r>
-              <a:rPr lang="es-ES_tradnl" smtClean="0"/>
+              <a:rPr lang="es-ES_tradnl"/>
               <a:t>Third level</a:t>
             </a:r>
           </a:p>
           <a:p>
             <a:pPr lvl="3"/>
             <a:r>
-              <a:rPr lang="es-ES_tradnl" smtClean="0"/>
+              <a:rPr lang="es-ES_tradnl"/>
               <a:t>Fourth level</a:t>
             </a:r>
           </a:p>
           <a:p>
             <a:pPr lvl="4"/>
             <a:r>
-              <a:rPr lang="es-ES_tradnl" smtClean="0"/>
+              <a:rPr lang="es-ES_tradnl"/>
               <a:t>Fifth level</a:t>
             </a:r>
             <a:endParaRPr lang="en-US"/>
@@ -1278,9 +1276,9 @@
           <a:bodyPr/>
           <a:lstStyle/>
           <a:p>
-            <a:fld id="{D3AE09B4-90D0-1245-B83D-B1B2932963E4}" type="datetimeFigureOut">
-              <a:rPr lang="en-US" smtClean="0"/>
-              <a:t>5/31/18</a:t>
+            <a:fld id="{D6D9D083-EF68-684D-B379-675B18B27376}" type="datetime1">
+              <a:rPr lang="en-AU" smtClean="0"/>
+              <a:t>11/6/20</a:t>
             </a:fld>
             <a:endParaRPr lang="en-US"/>
           </a:p>
@@ -1383,7 +1381,7 @@
           </a:lstStyle>
           <a:p>
             <a:r>
-              <a:rPr lang="es-ES_tradnl" smtClean="0"/>
+              <a:rPr lang="es-ES_tradnl"/>
               <a:t>Click to edit Master title style</a:t>
             </a:r>
             <a:endParaRPr lang="en-US"/>
@@ -1503,7 +1501,7 @@
           <a:p>
             <a:pPr lvl="0"/>
             <a:r>
-              <a:rPr lang="es-ES_tradnl" smtClean="0"/>
+              <a:rPr lang="es-ES_tradnl"/>
               <a:t>Click to edit Master text styles</a:t>
             </a:r>
           </a:p>
@@ -1524,9 +1522,9 @@
           <a:bodyPr/>
           <a:lstStyle/>
           <a:p>
-            <a:fld id="{D3AE09B4-90D0-1245-B83D-B1B2932963E4}" type="datetimeFigureOut">
-              <a:rPr lang="en-US" smtClean="0"/>
-              <a:t>5/31/18</a:t>
+            <a:fld id="{880B2635-E0AD-DE48-8E9A-EF5903DF8F0A}" type="datetime1">
+              <a:rPr lang="en-AU" smtClean="0"/>
+              <a:t>11/6/20</a:t>
             </a:fld>
             <a:endParaRPr lang="en-US"/>
           </a:p>
@@ -1620,7 +1618,7 @@
           <a:lstStyle/>
           <a:p>
             <a:r>
-              <a:rPr lang="es-ES_tradnl" smtClean="0"/>
+              <a:rPr lang="es-ES_tradnl"/>
               <a:t>Click to edit Master title style</a:t>
             </a:r>
             <a:endParaRPr lang="en-US"/>
@@ -1677,35 +1675,35 @@
           <a:p>
             <a:pPr lvl="0"/>
             <a:r>
-              <a:rPr lang="es-ES_tradnl" smtClean="0"/>
+              <a:rPr lang="es-ES_tradnl"/>
               <a:t>Click to edit Master text styles</a:t>
             </a:r>
           </a:p>
           <a:p>
             <a:pPr lvl="1"/>
             <a:r>
-              <a:rPr lang="es-ES_tradnl" smtClean="0"/>
+              <a:rPr lang="es-ES_tradnl"/>
               <a:t>Second level</a:t>
             </a:r>
           </a:p>
           <a:p>
             <a:pPr lvl="2"/>
             <a:r>
-              <a:rPr lang="es-ES_tradnl" smtClean="0"/>
+              <a:rPr lang="es-ES_tradnl"/>
               <a:t>Third level</a:t>
             </a:r>
           </a:p>
           <a:p>
             <a:pPr lvl="3"/>
             <a:r>
-              <a:rPr lang="es-ES_tradnl" smtClean="0"/>
+              <a:rPr lang="es-ES_tradnl"/>
               <a:t>Fourth level</a:t>
             </a:r>
           </a:p>
           <a:p>
             <a:pPr lvl="4"/>
             <a:r>
-              <a:rPr lang="es-ES_tradnl" smtClean="0"/>
+              <a:rPr lang="es-ES_tradnl"/>
               <a:t>Fifth level</a:t>
             </a:r>
             <a:endParaRPr lang="en-US"/>
@@ -1762,35 +1760,35 @@
           <a:p>
             <a:pPr lvl="0"/>
             <a:r>
-              <a:rPr lang="es-ES_tradnl" smtClean="0"/>
+              <a:rPr lang="es-ES_tradnl"/>
               <a:t>Click to edit Master text styles</a:t>
             </a:r>
           </a:p>
           <a:p>
             <a:pPr lvl="1"/>
             <a:r>
-              <a:rPr lang="es-ES_tradnl" smtClean="0"/>
+              <a:rPr lang="es-ES_tradnl"/>
               <a:t>Second level</a:t>
             </a:r>
           </a:p>
           <a:p>
             <a:pPr lvl="2"/>
             <a:r>
-              <a:rPr lang="es-ES_tradnl" smtClean="0"/>
+              <a:rPr lang="es-ES_tradnl"/>
               <a:t>Third level</a:t>
             </a:r>
           </a:p>
           <a:p>
             <a:pPr lvl="3"/>
             <a:r>
-              <a:rPr lang="es-ES_tradnl" smtClean="0"/>
+              <a:rPr lang="es-ES_tradnl"/>
               <a:t>Fourth level</a:t>
             </a:r>
           </a:p>
           <a:p>
             <a:pPr lvl="4"/>
             <a:r>
-              <a:rPr lang="es-ES_tradnl" smtClean="0"/>
+              <a:rPr lang="es-ES_tradnl"/>
               <a:t>Fifth level</a:t>
             </a:r>
             <a:endParaRPr lang="en-US"/>
@@ -1812,9 +1810,9 @@
           <a:bodyPr/>
           <a:lstStyle/>
           <a:p>
-            <a:fld id="{D3AE09B4-90D0-1245-B83D-B1B2932963E4}" type="datetimeFigureOut">
-              <a:rPr lang="en-US" smtClean="0"/>
-              <a:t>5/31/18</a:t>
+            <a:fld id="{3098491B-1398-3446-8D88-7F26024BC0BA}" type="datetime1">
+              <a:rPr lang="en-AU" smtClean="0"/>
+              <a:t>11/6/20</a:t>
             </a:fld>
             <a:endParaRPr lang="en-US"/>
           </a:p>
@@ -1912,7 +1910,7 @@
           </a:lstStyle>
           <a:p>
             <a:r>
-              <a:rPr lang="es-ES_tradnl" smtClean="0"/>
+              <a:rPr lang="es-ES_tradnl"/>
               <a:t>Click to edit Master title style</a:t>
             </a:r>
             <a:endParaRPr lang="en-US"/>
@@ -1978,7 +1976,7 @@
           <a:p>
             <a:pPr lvl="0"/>
             <a:r>
-              <a:rPr lang="es-ES_tradnl" smtClean="0"/>
+              <a:rPr lang="es-ES_tradnl"/>
               <a:t>Click to edit Master text styles</a:t>
             </a:r>
           </a:p>
@@ -2034,35 +2032,35 @@
           <a:p>
             <a:pPr lvl="0"/>
             <a:r>
-              <a:rPr lang="es-ES_tradnl" smtClean="0"/>
+              <a:rPr lang="es-ES_tradnl"/>
               <a:t>Click to edit Master text styles</a:t>
             </a:r>
           </a:p>
           <a:p>
             <a:pPr lvl="1"/>
             <a:r>
-              <a:rPr lang="es-ES_tradnl" smtClean="0"/>
+              <a:rPr lang="es-ES_tradnl"/>
               <a:t>Second level</a:t>
             </a:r>
           </a:p>
           <a:p>
             <a:pPr lvl="2"/>
             <a:r>
-              <a:rPr lang="es-ES_tradnl" smtClean="0"/>
+              <a:rPr lang="es-ES_tradnl"/>
               <a:t>Third level</a:t>
             </a:r>
           </a:p>
           <a:p>
             <a:pPr lvl="3"/>
             <a:r>
-              <a:rPr lang="es-ES_tradnl" smtClean="0"/>
+              <a:rPr lang="es-ES_tradnl"/>
               <a:t>Fourth level</a:t>
             </a:r>
           </a:p>
           <a:p>
             <a:pPr lvl="4"/>
             <a:r>
-              <a:rPr lang="es-ES_tradnl" smtClean="0"/>
+              <a:rPr lang="es-ES_tradnl"/>
               <a:t>Fifth level</a:t>
             </a:r>
             <a:endParaRPr lang="en-US"/>
@@ -2128,7 +2126,7 @@
           <a:p>
             <a:pPr lvl="0"/>
             <a:r>
-              <a:rPr lang="es-ES_tradnl" smtClean="0"/>
+              <a:rPr lang="es-ES_tradnl"/>
               <a:t>Click to edit Master text styles</a:t>
             </a:r>
           </a:p>
@@ -2184,35 +2182,35 @@
           <a:p>
             <a:pPr lvl="0"/>
             <a:r>
-              <a:rPr lang="es-ES_tradnl" smtClean="0"/>
+              <a:rPr lang="es-ES_tradnl"/>
               <a:t>Click to edit Master text styles</a:t>
             </a:r>
           </a:p>
           <a:p>
             <a:pPr lvl="1"/>
             <a:r>
-              <a:rPr lang="es-ES_tradnl" smtClean="0"/>
+              <a:rPr lang="es-ES_tradnl"/>
               <a:t>Second level</a:t>
             </a:r>
           </a:p>
           <a:p>
             <a:pPr lvl="2"/>
             <a:r>
-              <a:rPr lang="es-ES_tradnl" smtClean="0"/>
+              <a:rPr lang="es-ES_tradnl"/>
               <a:t>Third level</a:t>
             </a:r>
           </a:p>
           <a:p>
             <a:pPr lvl="3"/>
             <a:r>
-              <a:rPr lang="es-ES_tradnl" smtClean="0"/>
+              <a:rPr lang="es-ES_tradnl"/>
               <a:t>Fourth level</a:t>
             </a:r>
           </a:p>
           <a:p>
             <a:pPr lvl="4"/>
             <a:r>
-              <a:rPr lang="es-ES_tradnl" smtClean="0"/>
+              <a:rPr lang="es-ES_tradnl"/>
               <a:t>Fifth level</a:t>
             </a:r>
             <a:endParaRPr lang="en-US"/>
@@ -2234,9 +2232,9 @@
           <a:bodyPr/>
           <a:lstStyle/>
           <a:p>
-            <a:fld id="{D3AE09B4-90D0-1245-B83D-B1B2932963E4}" type="datetimeFigureOut">
-              <a:rPr lang="en-US" smtClean="0"/>
-              <a:t>5/31/18</a:t>
+            <a:fld id="{0578F2CE-7587-B349-922E-2FC2E9DFD740}" type="datetime1">
+              <a:rPr lang="en-AU" smtClean="0"/>
+              <a:t>11/6/20</a:t>
             </a:fld>
             <a:endParaRPr lang="en-US"/>
           </a:p>
@@ -2330,7 +2328,7 @@
           <a:lstStyle/>
           <a:p>
             <a:r>
-              <a:rPr lang="es-ES_tradnl" smtClean="0"/>
+              <a:rPr lang="es-ES_tradnl"/>
               <a:t>Click to edit Master title style</a:t>
             </a:r>
             <a:endParaRPr lang="en-US"/>
@@ -2352,9 +2350,9 @@
           <a:bodyPr/>
           <a:lstStyle/>
           <a:p>
-            <a:fld id="{D3AE09B4-90D0-1245-B83D-B1B2932963E4}" type="datetimeFigureOut">
-              <a:rPr lang="en-US" smtClean="0"/>
-              <a:t>5/31/18</a:t>
+            <a:fld id="{02E602E2-D4B4-7B44-B490-7CC2754CC1E7}" type="datetime1">
+              <a:rPr lang="en-AU" smtClean="0"/>
+              <a:t>11/6/20</a:t>
             </a:fld>
             <a:endParaRPr lang="en-US"/>
           </a:p>
@@ -2447,9 +2445,9 @@
           <a:bodyPr/>
           <a:lstStyle/>
           <a:p>
-            <a:fld id="{D3AE09B4-90D0-1245-B83D-B1B2932963E4}" type="datetimeFigureOut">
-              <a:rPr lang="en-US" smtClean="0"/>
-              <a:t>5/31/18</a:t>
+            <a:fld id="{3998A8DF-ABDC-9A4A-99FD-38D7B8A6CE74}" type="datetime1">
+              <a:rPr lang="en-AU" smtClean="0"/>
+              <a:t>11/6/20</a:t>
             </a:fld>
             <a:endParaRPr lang="en-US"/>
           </a:p>
@@ -2552,7 +2550,7 @@
           </a:lstStyle>
           <a:p>
             <a:r>
-              <a:rPr lang="es-ES_tradnl" smtClean="0"/>
+              <a:rPr lang="es-ES_tradnl"/>
               <a:t>Click to edit Master title style</a:t>
             </a:r>
             <a:endParaRPr lang="en-US"/>
@@ -2609,35 +2607,35 @@
           <a:p>
             <a:pPr lvl="0"/>
             <a:r>
-              <a:rPr lang="es-ES_tradnl" smtClean="0"/>
+              <a:rPr lang="es-ES_tradnl"/>
               <a:t>Click to edit Master text styles</a:t>
             </a:r>
           </a:p>
           <a:p>
             <a:pPr lvl="1"/>
             <a:r>
-              <a:rPr lang="es-ES_tradnl" smtClean="0"/>
+              <a:rPr lang="es-ES_tradnl"/>
               <a:t>Second level</a:t>
             </a:r>
           </a:p>
           <a:p>
             <a:pPr lvl="2"/>
             <a:r>
-              <a:rPr lang="es-ES_tradnl" smtClean="0"/>
+              <a:rPr lang="es-ES_tradnl"/>
               <a:t>Third level</a:t>
             </a:r>
           </a:p>
           <a:p>
             <a:pPr lvl="3"/>
             <a:r>
-              <a:rPr lang="es-ES_tradnl" smtClean="0"/>
+              <a:rPr lang="es-ES_tradnl"/>
               <a:t>Fourth level</a:t>
             </a:r>
           </a:p>
           <a:p>
             <a:pPr lvl="4"/>
             <a:r>
-              <a:rPr lang="es-ES_tradnl" smtClean="0"/>
+              <a:rPr lang="es-ES_tradnl"/>
               <a:t>Fifth level</a:t>
             </a:r>
             <a:endParaRPr lang="en-US"/>
@@ -2703,7 +2701,7 @@
           <a:p>
             <a:pPr lvl="0"/>
             <a:r>
-              <a:rPr lang="es-ES_tradnl" smtClean="0"/>
+              <a:rPr lang="es-ES_tradnl"/>
               <a:t>Click to edit Master text styles</a:t>
             </a:r>
           </a:p>
@@ -2724,9 +2722,9 @@
           <a:bodyPr/>
           <a:lstStyle/>
           <a:p>
-            <a:fld id="{D3AE09B4-90D0-1245-B83D-B1B2932963E4}" type="datetimeFigureOut">
-              <a:rPr lang="en-US" smtClean="0"/>
-              <a:t>5/31/18</a:t>
+            <a:fld id="{1930E876-A6DC-2D42-B9B0-572592736682}" type="datetime1">
+              <a:rPr lang="en-AU" smtClean="0"/>
+              <a:t>11/6/20</a:t>
             </a:fld>
             <a:endParaRPr lang="en-US"/>
           </a:p>
@@ -2829,7 +2827,7 @@
           </a:lstStyle>
           <a:p>
             <a:r>
-              <a:rPr lang="es-ES_tradnl" smtClean="0"/>
+              <a:rPr lang="es-ES_tradnl"/>
               <a:t>Click to edit Master title style</a:t>
             </a:r>
             <a:endParaRPr lang="en-US"/>
@@ -2956,7 +2954,7 @@
           <a:p>
             <a:pPr lvl="0"/>
             <a:r>
-              <a:rPr lang="es-ES_tradnl" smtClean="0"/>
+              <a:rPr lang="es-ES_tradnl"/>
               <a:t>Click to edit Master text styles</a:t>
             </a:r>
           </a:p>
@@ -2977,9 +2975,9 @@
           <a:bodyPr/>
           <a:lstStyle/>
           <a:p>
-            <a:fld id="{D3AE09B4-90D0-1245-B83D-B1B2932963E4}" type="datetimeFigureOut">
-              <a:rPr lang="en-US" smtClean="0"/>
-              <a:t>5/31/18</a:t>
+            <a:fld id="{AB29A4D1-E518-7640-901E-D5BC44E5E99C}" type="datetime1">
+              <a:rPr lang="en-AU" smtClean="0"/>
+              <a:t>11/6/20</a:t>
             </a:fld>
             <a:endParaRPr lang="en-US"/>
           </a:p>
@@ -3088,10 +3086,9 @@
           <a:lstStyle/>
           <a:p>
             <a:r>
-              <a:rPr lang="en-US" smtClean="0"/>
+              <a:rPr lang="en-US"/>
               <a:t>Click to edit Master title style</a:t>
             </a:r>
-            <a:endParaRPr lang="en-US"/>
           </a:p>
         </p:txBody>
       </p:sp>
@@ -3122,38 +3119,37 @@
           <a:p>
             <a:pPr lvl="0"/>
             <a:r>
-              <a:rPr lang="en-US" smtClean="0"/>
+              <a:rPr lang="en-US"/>
               <a:t>Click to edit Master text styles</a:t>
             </a:r>
           </a:p>
           <a:p>
             <a:pPr lvl="1"/>
             <a:r>
-              <a:rPr lang="en-US" smtClean="0"/>
+              <a:rPr lang="en-US"/>
               <a:t>Second level</a:t>
             </a:r>
           </a:p>
           <a:p>
             <a:pPr lvl="2"/>
             <a:r>
-              <a:rPr lang="en-US" smtClean="0"/>
+              <a:rPr lang="en-US"/>
               <a:t>Third level</a:t>
             </a:r>
           </a:p>
           <a:p>
             <a:pPr lvl="3"/>
             <a:r>
-              <a:rPr lang="en-US" smtClean="0"/>
+              <a:rPr lang="en-US"/>
               <a:t>Fourth level</a:t>
             </a:r>
           </a:p>
           <a:p>
             <a:pPr lvl="4"/>
             <a:r>
-              <a:rPr lang="en-US" smtClean="0"/>
+              <a:rPr lang="en-US"/>
               <a:t>Fifth level</a:t>
             </a:r>
-            <a:endParaRPr lang="en-US"/>
           </a:p>
         </p:txBody>
       </p:sp>
@@ -3190,9 +3186,9 @@
             </a:lvl1pPr>
           </a:lstStyle>
           <a:p>
-            <a:fld id="{D3AE09B4-90D0-1245-B83D-B1B2932963E4}" type="datetimeFigureOut">
-              <a:rPr lang="en-US" smtClean="0"/>
-              <a:t>5/31/18</a:t>
+            <a:fld id="{71A7BFC8-0B8D-7645-9148-1EAA51F3DE4F}" type="datetime1">
+              <a:rPr lang="en-AU" smtClean="0"/>
+              <a:t>11/6/20</a:t>
             </a:fld>
             <a:endParaRPr lang="en-US"/>
           </a:p>
@@ -3297,6 +3293,7 @@
     <p:sldLayoutId id="2147483658" r:id="rId10"/>
     <p:sldLayoutId id="2147483659" r:id="rId11"/>
   </p:sldLayoutIdLst>
+  <p:hf hdr="0" ftr="0" dt="0"/>
   <p:txStyles>
     <p:titleStyle>
       <a:lvl1pPr algn="ctr" defTabSz="457200" rtl="0" eaLnBrk="1" latinLnBrk="0" hangingPunct="1">
@@ -3607,7 +3604,7 @@
           <a:p>
             <a:pPr algn="ctr"/>
             <a:r>
-              <a:rPr lang="es-CL" sz="2400" dirty="0" smtClean="0">
+              <a:rPr lang="es-CL" sz="2400" dirty="0">
                 <a:solidFill>
                   <a:srgbClr val="FF0000"/>
                 </a:solidFill>
@@ -3616,7 +3613,7 @@
               <a:t>R</a:t>
             </a:r>
             <a:r>
-              <a:rPr lang="es-CL" sz="2400" dirty="0" smtClean="0">
+              <a:rPr lang="es-CL" sz="2400" dirty="0">
                 <a:solidFill>
                   <a:srgbClr val="3366FF"/>
                 </a:solidFill>
@@ -3625,7 +3622,7 @@
               <a:t>e</a:t>
             </a:r>
             <a:r>
-              <a:rPr lang="es-CL" sz="2400" dirty="0" smtClean="0">
+              <a:rPr lang="es-CL" sz="2400" dirty="0">
                 <a:solidFill>
                   <a:srgbClr val="FFFF00"/>
                 </a:solidFill>
@@ -3634,7 +3631,7 @@
               <a:t>c</a:t>
             </a:r>
             <a:r>
-              <a:rPr lang="es-CL" sz="2400" dirty="0" smtClean="0">
+              <a:rPr lang="es-CL" sz="2400" dirty="0">
                 <a:solidFill>
                   <a:srgbClr val="00FF00"/>
                 </a:solidFill>
@@ -3643,7 +3640,7 @@
               <a:t>o</a:t>
             </a:r>
             <a:r>
-              <a:rPr lang="es-CL" sz="2400" dirty="0" smtClean="0">
+              <a:rPr lang="es-CL" sz="2400" dirty="0">
                 <a:solidFill>
                   <a:schemeClr val="bg1"/>
                 </a:solidFill>
@@ -3652,7 +3649,7 @@
               <a:t>n</a:t>
             </a:r>
             <a:r>
-              <a:rPr lang="es-CL" sz="2400" dirty="0" smtClean="0">
+              <a:rPr lang="es-CL" sz="2400" dirty="0">
                 <a:solidFill>
                   <a:srgbClr val="FF6600"/>
                 </a:solidFill>
@@ -3661,7 +3658,7 @@
               <a:t>o</a:t>
             </a:r>
             <a:r>
-              <a:rPr lang="es-CL" sz="2400" dirty="0" smtClean="0">
+              <a:rPr lang="es-CL" sz="2400" dirty="0">
                 <a:solidFill>
                   <a:srgbClr val="FF0000"/>
                 </a:solidFill>
@@ -3670,7 +3667,7 @@
               <a:t>c</a:t>
             </a:r>
             <a:r>
-              <a:rPr lang="es-CL" sz="2400" dirty="0" smtClean="0">
+              <a:rPr lang="es-CL" sz="2400" dirty="0">
                 <a:solidFill>
                   <a:srgbClr val="3366FF"/>
                 </a:solidFill>
@@ -3679,7 +3676,7 @@
               <a:t>i</a:t>
             </a:r>
             <a:r>
-              <a:rPr lang="es-CL" sz="2400" dirty="0" smtClean="0">
+              <a:rPr lang="es-CL" sz="2400" dirty="0">
                 <a:solidFill>
                   <a:schemeClr val="bg1"/>
                 </a:solidFill>
@@ -3688,7 +3685,7 @@
               <a:t>m</a:t>
             </a:r>
             <a:r>
-              <a:rPr lang="es-CL" sz="2400" dirty="0" smtClean="0">
+              <a:rPr lang="es-CL" sz="2400" dirty="0">
                 <a:solidFill>
                   <a:srgbClr val="FFFF00"/>
                 </a:solidFill>
@@ -3697,7 +3694,7 @@
               <a:t>i</a:t>
             </a:r>
             <a:r>
-              <a:rPr lang="es-CL" sz="2400" dirty="0" smtClean="0">
+              <a:rPr lang="es-CL" sz="2400" dirty="0">
                 <a:solidFill>
                   <a:srgbClr val="00FF00"/>
                 </a:solidFill>
@@ -3706,7 +3703,7 @@
               <a:t>e</a:t>
             </a:r>
             <a:r>
-              <a:rPr lang="es-CL" sz="2400" dirty="0" smtClean="0">
+              <a:rPr lang="es-CL" sz="2400" dirty="0">
                 <a:solidFill>
                   <a:schemeClr val="bg1"/>
                 </a:solidFill>
@@ -3715,7 +3712,7 @@
               <a:t>n</a:t>
             </a:r>
             <a:r>
-              <a:rPr lang="es-CL" sz="2400" dirty="0" smtClean="0">
+              <a:rPr lang="es-CL" sz="2400" dirty="0">
                 <a:solidFill>
                   <a:srgbClr val="FF6600"/>
                 </a:solidFill>
@@ -3724,7 +3721,7 @@
               <a:t>t</a:t>
             </a:r>
             <a:r>
-              <a:rPr lang="es-CL" sz="2400" dirty="0" smtClean="0">
+              <a:rPr lang="es-CL" sz="2400" dirty="0">
                 <a:solidFill>
                   <a:srgbClr val="FF0000"/>
                 </a:solidFill>
@@ -3733,7 +3730,7 @@
               <a:t>o</a:t>
             </a:r>
             <a:r>
-              <a:rPr lang="es-CL" sz="2400" dirty="0" smtClean="0">
+              <a:rPr lang="es-CL" sz="2400" dirty="0">
                 <a:solidFill>
                   <a:srgbClr val="3333CC"/>
                 </a:solidFill>
@@ -3742,7 +3739,7 @@
               <a:t> </a:t>
             </a:r>
             <a:r>
-              <a:rPr lang="es-CL" sz="2400" dirty="0" smtClean="0">
+              <a:rPr lang="es-CL" sz="2400" dirty="0">
                 <a:solidFill>
                   <a:srgbClr val="3366FF"/>
                 </a:solidFill>
@@ -3751,7 +3748,7 @@
               <a:t>d</a:t>
             </a:r>
             <a:r>
-              <a:rPr lang="es-CL" sz="2400" dirty="0" smtClean="0">
+              <a:rPr lang="es-CL" sz="2400" dirty="0">
                 <a:solidFill>
                   <a:srgbClr val="FFFF00"/>
                 </a:solidFill>
@@ -3760,7 +3757,7 @@
               <a:t>e </a:t>
             </a:r>
             <a:r>
-              <a:rPr lang="es-CL" sz="2400" dirty="0" smtClean="0">
+              <a:rPr lang="es-CL" sz="2400" dirty="0">
                 <a:solidFill>
                   <a:srgbClr val="00FF00"/>
                 </a:solidFill>
@@ -3769,7 +3766,7 @@
               <a:t>P</a:t>
             </a:r>
             <a:r>
-              <a:rPr lang="es-CL" sz="2400" dirty="0" smtClean="0">
+              <a:rPr lang="es-CL" sz="2400" dirty="0">
                 <a:solidFill>
                   <a:schemeClr val="bg1"/>
                 </a:solidFill>
@@ -3778,7 +3775,7 @@
               <a:t>a</a:t>
             </a:r>
             <a:r>
-              <a:rPr lang="es-CL" sz="2400" dirty="0" smtClean="0">
+              <a:rPr lang="es-CL" sz="2400" dirty="0">
                 <a:solidFill>
                   <a:srgbClr val="FF6600"/>
                 </a:solidFill>
@@ -3787,7 +3784,7 @@
               <a:t>t</a:t>
             </a:r>
             <a:r>
-              <a:rPr lang="es-CL" sz="2400" dirty="0" smtClean="0">
+              <a:rPr lang="es-CL" sz="2400" dirty="0">
                 <a:solidFill>
                   <a:srgbClr val="FF0000"/>
                 </a:solidFill>
@@ -3796,7 +3793,7 @@
               <a:t>r</a:t>
             </a:r>
             <a:r>
-              <a:rPr lang="es-CL" sz="2400" dirty="0" smtClean="0">
+              <a:rPr lang="es-CL" sz="2400" dirty="0">
                 <a:solidFill>
                   <a:srgbClr val="3366FF"/>
                 </a:solidFill>
@@ -3805,7 +3802,7 @@
               <a:t>o</a:t>
             </a:r>
             <a:r>
-              <a:rPr lang="es-CL" sz="2400" dirty="0" smtClean="0">
+              <a:rPr lang="es-CL" sz="2400" dirty="0">
                 <a:solidFill>
                   <a:srgbClr val="FFFF00"/>
                 </a:solidFill>
@@ -3814,7 +3811,7 @@
               <a:t>n</a:t>
             </a:r>
             <a:r>
-              <a:rPr lang="es-CL" sz="2400" dirty="0" smtClean="0">
+              <a:rPr lang="es-CL" sz="2400" dirty="0">
                 <a:solidFill>
                   <a:srgbClr val="00FF00"/>
                 </a:solidFill>
@@ -3823,7 +3820,7 @@
               <a:t>e</a:t>
             </a:r>
             <a:r>
-              <a:rPr lang="es-CL" sz="2400" dirty="0" smtClean="0">
+              <a:rPr lang="es-CL" sz="2400" dirty="0">
                 <a:solidFill>
                   <a:schemeClr val="bg1"/>
                 </a:solidFill>
@@ -3831,7 +3828,7 @@
               </a:rPr>
               <a:t>s</a:t>
             </a:r>
-            <a:endParaRPr lang="es-CL" sz="2400" dirty="0" smtClean="0">
+            <a:endParaRPr lang="es-CL" sz="2400" dirty="0">
               <a:solidFill>
                 <a:srgbClr val="FF0000"/>
               </a:solidFill>
@@ -3841,7 +3838,7 @@
           <a:p>
             <a:pPr algn="ctr"/>
             <a:r>
-              <a:rPr lang="es-CL" sz="2400" dirty="0" smtClean="0">
+              <a:rPr lang="es-CL" sz="2400" dirty="0">
                 <a:solidFill>
                   <a:schemeClr val="bg2">
                     <a:lumMod val="60000"/>
@@ -3852,19 +3849,10 @@
               </a:rPr>
               <a:t> </a:t>
             </a:r>
+          </a:p>
+          <a:p>
+            <a:pPr algn="ctr"/>
             <a:endParaRPr lang="es-CL" sz="2400" dirty="0">
-              <a:solidFill>
-                <a:schemeClr val="bg2">
-                  <a:lumMod val="60000"/>
-                  <a:lumOff val="40000"/>
-                </a:schemeClr>
-              </a:solidFill>
-              <a:latin typeface="Trebuchet MS" pitchFamily="34" charset="0"/>
-            </a:endParaRPr>
-          </a:p>
-          <a:p>
-            <a:pPr algn="ctr"/>
-            <a:endParaRPr lang="es-CL" sz="2400" dirty="0" smtClean="0">
               <a:solidFill>
                 <a:srgbClr val="3333CC"/>
               </a:solidFill>
@@ -3935,7 +3923,7 @@
           <a:p>
             <a:pPr algn="ctr"/>
             <a:r>
-              <a:rPr lang="es-CL" sz="1200" dirty="0" smtClean="0">
+              <a:rPr lang="es-CL" sz="1200" dirty="0">
                 <a:solidFill>
                   <a:schemeClr val="bg1">
                     <a:lumMod val="75000"/>
@@ -3945,19 +3933,11 @@
               </a:rPr>
               <a:t>Departmento de Ciencia de la Computación</a:t>
             </a:r>
-            <a:endParaRPr lang="es-CL" sz="1200" dirty="0">
-              <a:solidFill>
-                <a:schemeClr val="bg1">
-                  <a:lumMod val="75000"/>
-                </a:schemeClr>
-              </a:solidFill>
-              <a:latin typeface="Trebuchet MS" pitchFamily="34" charset="0"/>
-            </a:endParaRPr>
           </a:p>
           <a:p>
             <a:pPr algn="ctr"/>
             <a:r>
-              <a:rPr lang="es-CL" sz="1200" dirty="0" smtClean="0">
+              <a:rPr lang="es-CL" sz="1200" dirty="0">
                 <a:solidFill>
                   <a:schemeClr val="bg1">
                     <a:lumMod val="75000"/>
@@ -3971,7 +3951,7 @@
           <a:p>
             <a:pPr algn="ctr"/>
             <a:r>
-              <a:rPr lang="es-CL" sz="1200" dirty="0" smtClean="0">
+              <a:rPr lang="es-CL" sz="1200" dirty="0">
                 <a:solidFill>
                   <a:schemeClr val="bg1">
                     <a:lumMod val="75000"/>
@@ -3981,19 +3961,11 @@
               </a:rPr>
               <a:t>Universidad Católica de Chile</a:t>
             </a:r>
-            <a:endParaRPr lang="es-CL" sz="1200" dirty="0">
-              <a:solidFill>
-                <a:schemeClr val="bg1">
-                  <a:lumMod val="75000"/>
-                </a:schemeClr>
-              </a:solidFill>
-              <a:latin typeface="Trebuchet MS" pitchFamily="34" charset="0"/>
-            </a:endParaRPr>
           </a:p>
           <a:p>
             <a:pPr algn="ctr"/>
             <a:r>
-              <a:rPr lang="es-CL" sz="1200" dirty="0" smtClean="0">
+              <a:rPr lang="es-CL" sz="1200" dirty="0">
                 <a:solidFill>
                   <a:schemeClr val="bg1">
                     <a:lumMod val="75000"/>
@@ -4001,18 +3973,7 @@
                 </a:solidFill>
                 <a:latin typeface="Trebuchet MS" pitchFamily="34" charset="0"/>
               </a:rPr>
-              <a:t>Semestre </a:t>
-            </a:r>
-            <a:r>
-              <a:rPr lang="es-CL" sz="1200" dirty="0" smtClean="0">
-                <a:solidFill>
-                  <a:schemeClr val="bg1">
-                    <a:lumMod val="75000"/>
-                  </a:schemeClr>
-                </a:solidFill>
-                <a:latin typeface="Trebuchet MS" pitchFamily="34" charset="0"/>
-              </a:rPr>
-              <a:t>2018-1</a:t>
+              <a:t>Semestre 2018-1</a:t>
             </a:r>
             <a:endParaRPr lang="en-US" sz="1200" dirty="0">
               <a:solidFill>
@@ -4314,7 +4275,7 @@
           <a:p>
             <a:pPr algn="ctr"/>
             <a:r>
-              <a:rPr lang="en-US" sz="2400" b="1" dirty="0" smtClean="0">
+              <a:rPr lang="en-US" sz="2400" b="1" dirty="0">
                 <a:solidFill>
                   <a:srgbClr val="FFFFFF"/>
                 </a:solidFill>
@@ -4326,7 +4287,7 @@
           </a:p>
           <a:p>
             <a:pPr algn="ctr"/>
-            <a:endParaRPr lang="es-CL" sz="1000" dirty="0" smtClean="0">
+            <a:endParaRPr lang="es-CL" sz="1000" dirty="0">
               <a:solidFill>
                 <a:srgbClr val="FFFFFF"/>
               </a:solidFill>
@@ -4337,7 +4298,7 @@
           <a:p>
             <a:pPr algn="ctr"/>
             <a:r>
-              <a:rPr lang="es-CL" sz="1000" dirty="0" smtClean="0">
+              <a:rPr lang="es-CL" sz="1000" dirty="0">
                 <a:solidFill>
                   <a:srgbClr val="FFFFFF"/>
                 </a:solidFill>
@@ -4346,6 +4307,35 @@
               </a:rPr>
               <a:t>[ Capítulo 5 ]</a:t>
             </a:r>
+          </a:p>
+        </p:txBody>
+      </p:sp>
+      <p:sp>
+        <p:nvSpPr>
+          <p:cNvPr id="2" name="Slide Number Placeholder 1">
+            <a:extLst>
+              <a:ext uri="{FF2B5EF4-FFF2-40B4-BE49-F238E27FC236}">
+                <a16:creationId xmlns:a16="http://schemas.microsoft.com/office/drawing/2014/main" id="{09136C2B-452E-824A-97B7-E72E282F4646}"/>
+              </a:ext>
+            </a:extLst>
+          </p:cNvPr>
+          <p:cNvSpPr>
+            <a:spLocks noGrp="1"/>
+          </p:cNvSpPr>
+          <p:nvPr>
+            <p:ph type="sldNum" sz="quarter" idx="12"/>
+          </p:nvPr>
+        </p:nvSpPr>
+        <p:spPr/>
+        <p:txBody>
+          <a:bodyPr/>
+          <a:lstStyle/>
+          <a:p>
+            <a:fld id="{9C0B2870-7350-8D40-A01A-CE539DF873CB}" type="slidenum">
+              <a:rPr lang="en-US" smtClean="0"/>
+              <a:t>1</a:t>
+            </a:fld>
+            <a:endParaRPr lang="en-US"/>
           </a:p>
         </p:txBody>
       </p:sp>
@@ -4896,7 +4886,7 @@
         </p:blipFill>
         <p:spPr>
           <a:xfrm>
-            <a:off x="3039354" y="1741544"/>
+            <a:off x="3039354" y="1168667"/>
             <a:ext cx="6104646" cy="4915912"/>
           </a:xfrm>
           <a:prstGeom prst="rect">
@@ -4912,7 +4902,7 @@
         </p:nvSpPr>
         <p:spPr>
           <a:xfrm>
-            <a:off x="286915" y="1689740"/>
+            <a:off x="286915" y="1116863"/>
             <a:ext cx="2163648" cy="369332"/>
           </a:xfrm>
           <a:prstGeom prst="rect">
@@ -4929,10 +4919,9 @@
           <a:lstStyle/>
           <a:p>
             <a:r>
-              <a:rPr lang="en-US" b="1" dirty="0" smtClean="0"/>
+              <a:rPr lang="en-US" b="1" dirty="0"/>
               <a:t>[ SIMULATED DATA ]</a:t>
             </a:r>
-            <a:endParaRPr lang="en-US" b="1" dirty="0"/>
           </a:p>
         </p:txBody>
       </p:sp>
@@ -4959,10 +4948,9 @@
           <a:lstStyle/>
           <a:p>
             <a:r>
-              <a:rPr lang="en-US" sz="3200" dirty="0" smtClean="0"/>
+              <a:rPr lang="en-US" sz="3200" dirty="0"/>
               <a:t>Estimating the Accuracy of a Classifier</a:t>
             </a:r>
-            <a:endParaRPr lang="en-US" sz="3200" dirty="0"/>
           </a:p>
         </p:txBody>
       </p:sp>
@@ -4974,7 +4962,7 @@
         </p:nvSpPr>
         <p:spPr>
           <a:xfrm>
-            <a:off x="314338" y="1991907"/>
+            <a:off x="314338" y="1419030"/>
             <a:ext cx="4572000" cy="2031325"/>
           </a:xfrm>
           <a:prstGeom prst="rect">
@@ -4988,98 +4976,85 @@
           <a:lstStyle/>
           <a:p>
             <a:r>
-              <a:rPr lang="en-US" dirty="0" smtClean="0"/>
+              <a:rPr lang="en-US" dirty="0"/>
               <a:t>2 Classes</a:t>
             </a:r>
           </a:p>
           <a:p>
             <a:r>
-              <a:rPr lang="en-US" dirty="0" smtClean="0"/>
+              <a:rPr lang="en-US" dirty="0"/>
               <a:t>2 Gaussian Distributions </a:t>
             </a:r>
           </a:p>
           <a:p>
             <a:r>
-              <a:rPr lang="en-US" dirty="0" smtClean="0"/>
+              <a:rPr lang="en-US" dirty="0"/>
               <a:t>μ</a:t>
             </a:r>
             <a:r>
-              <a:rPr lang="en-US" baseline="-25000" dirty="0" smtClean="0"/>
+              <a:rPr lang="en-US" baseline="-25000" dirty="0"/>
               <a:t>1</a:t>
             </a:r>
             <a:r>
-              <a:rPr lang="en-US" dirty="0" smtClean="0"/>
+              <a:rPr lang="en-US" dirty="0"/>
               <a:t> = (1,1)</a:t>
             </a:r>
           </a:p>
           <a:p>
             <a:r>
-              <a:rPr lang="en-US" dirty="0" smtClean="0"/>
+              <a:rPr lang="en-US" dirty="0"/>
               <a:t>μ</a:t>
             </a:r>
             <a:r>
-              <a:rPr lang="en-US" baseline="-25000" dirty="0" smtClean="0"/>
+              <a:rPr lang="en-US" baseline="-25000" dirty="0"/>
               <a:t>2</a:t>
             </a:r>
             <a:r>
-              <a:rPr lang="en-US" dirty="0" smtClean="0"/>
-              <a:t> </a:t>
-            </a:r>
-            <a:r>
               <a:rPr lang="en-US" dirty="0"/>
-              <a:t>= </a:t>
-            </a:r>
-            <a:r>
-              <a:rPr lang="en-US" dirty="0" smtClean="0"/>
-              <a:t> (-1,-1)</a:t>
-            </a:r>
-          </a:p>
-          <a:p>
-            <a:r>
-              <a:rPr lang="en-US" dirty="0" smtClean="0"/>
+              <a:t> =  (-1,-1)</a:t>
+            </a:r>
+          </a:p>
+          <a:p>
+            <a:r>
+              <a:rPr lang="en-US" dirty="0"/>
               <a:t>σ</a:t>
             </a:r>
             <a:r>
-              <a:rPr lang="en-US" baseline="-25000" dirty="0" smtClean="0"/>
+              <a:rPr lang="en-US" baseline="-25000" dirty="0"/>
               <a:t>1</a:t>
             </a:r>
             <a:r>
-              <a:rPr lang="en-US" dirty="0" smtClean="0"/>
+              <a:rPr lang="en-US" dirty="0"/>
               <a:t> = σ</a:t>
             </a:r>
             <a:r>
-              <a:rPr lang="en-US" baseline="-25000" dirty="0" smtClean="0"/>
+              <a:rPr lang="en-US" baseline="-25000" dirty="0"/>
               <a:t>1 </a:t>
             </a:r>
             <a:r>
               <a:rPr lang="en-US" dirty="0"/>
-              <a:t> </a:t>
-            </a:r>
-            <a:r>
-              <a:rPr lang="en-US" dirty="0" smtClean="0"/>
-              <a:t>= 1</a:t>
-            </a:r>
-          </a:p>
-          <a:p>
-            <a:r>
-              <a:rPr lang="en-US" dirty="0" smtClean="0"/>
+              <a:t> = 1</a:t>
+            </a:r>
+          </a:p>
+          <a:p>
+            <a:r>
+              <a:rPr lang="en-US" dirty="0"/>
               <a:t>500 samples /class</a:t>
             </a:r>
           </a:p>
           <a:p>
             <a:r>
-              <a:rPr lang="en-US" dirty="0" smtClean="0"/>
+              <a:rPr lang="en-US" dirty="0"/>
               <a:t>N</a:t>
             </a:r>
             <a:r>
-              <a:rPr lang="en-US" baseline="-25000" dirty="0" smtClean="0"/>
+              <a:rPr lang="en-US" baseline="-25000" dirty="0"/>
               <a:t>0</a:t>
             </a:r>
             <a:r>
-              <a:rPr lang="en-US" dirty="0" smtClean="0"/>
+              <a:rPr lang="en-US" dirty="0"/>
               <a:t> = 1000 (available data)</a:t>
             </a:r>
-            <a:endParaRPr lang="en-US" dirty="0"/>
           </a:p>
         </p:txBody>
       </p:sp>
@@ -5091,7 +5066,7 @@
         </p:nvSpPr>
         <p:spPr>
           <a:xfrm>
-            <a:off x="168071" y="4423249"/>
+            <a:off x="168071" y="3850372"/>
             <a:ext cx="2146291" cy="2308324"/>
           </a:xfrm>
           <a:prstGeom prst="rect">
@@ -5108,21 +5083,21 @@
           <a:lstStyle/>
           <a:p>
             <a:r>
-              <a:rPr lang="en-US" b="1" dirty="0" smtClean="0"/>
+              <a:rPr lang="en-US" b="1" dirty="0"/>
               <a:t>[ CLASSIFIER ]</a:t>
             </a:r>
           </a:p>
           <a:p>
             <a:r>
-              <a:rPr lang="en-US" dirty="0" smtClean="0"/>
+              <a:rPr lang="en-US" dirty="0"/>
               <a:t>Linear SVM (</a:t>
             </a:r>
             <a:r>
-              <a:rPr lang="en-US" dirty="0" err="1" smtClean="0"/>
+              <a:rPr lang="en-US" dirty="0" err="1"/>
               <a:t>LibSVM</a:t>
             </a:r>
             <a:r>
-              <a:rPr lang="en-US" dirty="0" smtClean="0"/>
+              <a:rPr lang="en-US" dirty="0"/>
               <a:t>)</a:t>
             </a:r>
           </a:p>
@@ -5132,20 +5107,12 @@
           <a:p>
             <a:r>
               <a:rPr lang="en-US" b="1" dirty="0"/>
-              <a:t>[ </a:t>
-            </a:r>
-            <a:r>
-              <a:rPr lang="en-US" b="1" dirty="0" smtClean="0"/>
-              <a:t>SAMPLING </a:t>
-            </a:r>
-            <a:r>
-              <a:rPr lang="en-US" b="1" dirty="0"/>
-              <a:t>]</a:t>
-            </a:r>
-          </a:p>
-          <a:p>
-            <a:r>
-              <a:rPr lang="en-US" dirty="0" smtClean="0"/>
+              <a:t>[ SAMPLING ]</a:t>
+            </a:r>
+          </a:p>
+          <a:p>
+            <a:r>
+              <a:rPr lang="en-US" dirty="0"/>
               <a:t>Random / Stratified</a:t>
             </a:r>
           </a:p>
@@ -5153,14 +5120,89 @@
             <a:endParaRPr lang="en-US" dirty="0"/>
           </a:p>
           <a:p>
-            <a:endParaRPr lang="en-US" dirty="0" smtClean="0"/>
-          </a:p>
-          <a:p>
-            <a:r>
-              <a:rPr lang="en-US" dirty="0" smtClean="0"/>
+            <a:endParaRPr lang="en-US" dirty="0"/>
+          </a:p>
+          <a:p>
+            <a:r>
+              <a:rPr lang="en-US" dirty="0"/>
               <a:t>1000 Repetitions!</a:t>
             </a:r>
-            <a:endParaRPr lang="en-US" dirty="0"/>
+          </a:p>
+        </p:txBody>
+      </p:sp>
+      <p:sp>
+        <p:nvSpPr>
+          <p:cNvPr id="2" name="Slide Number Placeholder 1">
+            <a:extLst>
+              <a:ext uri="{FF2B5EF4-FFF2-40B4-BE49-F238E27FC236}">
+                <a16:creationId xmlns:a16="http://schemas.microsoft.com/office/drawing/2014/main" id="{73D8BAD6-1A50-6D4C-A7E9-3DCD6C5BB14A}"/>
+              </a:ext>
+            </a:extLst>
+          </p:cNvPr>
+          <p:cNvSpPr>
+            <a:spLocks noGrp="1"/>
+          </p:cNvSpPr>
+          <p:nvPr>
+            <p:ph type="sldNum" sz="quarter" idx="12"/>
+          </p:nvPr>
+        </p:nvSpPr>
+        <p:spPr>
+          <a:xfrm>
+            <a:off x="6553200" y="5783473"/>
+            <a:ext cx="2133600" cy="365125"/>
+          </a:xfrm>
+        </p:spPr>
+        <p:txBody>
+          <a:bodyPr/>
+          <a:lstStyle/>
+          <a:p>
+            <a:fld id="{9C0B2870-7350-8D40-A01A-CE539DF873CB}" type="slidenum">
+              <a:rPr lang="en-US" smtClean="0"/>
+              <a:t>10</a:t>
+            </a:fld>
+            <a:endParaRPr lang="en-US"/>
+          </a:p>
+        </p:txBody>
+      </p:sp>
+      <p:sp>
+        <p:nvSpPr>
+          <p:cNvPr id="9" name="TextBox 8">
+            <a:extLst>
+              <a:ext uri="{FF2B5EF4-FFF2-40B4-BE49-F238E27FC236}">
+                <a16:creationId xmlns:a16="http://schemas.microsoft.com/office/drawing/2014/main" id="{99D02479-54C4-BE49-A526-09108071A1A5}"/>
+              </a:ext>
+            </a:extLst>
+          </p:cNvPr>
+          <p:cNvSpPr txBox="1"/>
+          <p:nvPr/>
+        </p:nvSpPr>
+        <p:spPr>
+          <a:xfrm>
+            <a:off x="3138956" y="6581001"/>
+            <a:ext cx="2182072" cy="276999"/>
+          </a:xfrm>
+          <a:prstGeom prst="rect">
+            <a:avLst/>
+          </a:prstGeom>
+          <a:noFill/>
+        </p:spPr>
+        <p:txBody>
+          <a:bodyPr wrap="none" rtlCol="0">
+            <a:spAutoFit/>
+          </a:bodyPr>
+          <a:lstStyle/>
+          <a:p>
+            <a:r>
+              <a:rPr lang="en-US" sz="1200" dirty="0">
+                <a:solidFill>
+                  <a:schemeClr val="tx1">
+                    <a:lumMod val="75000"/>
+                    <a:lumOff val="25000"/>
+                  </a:schemeClr>
+                </a:solidFill>
+              </a:rPr>
+              <a:t>PAT05_AccuracyEstimation.pptx</a:t>
+            </a:r>
           </a:p>
         </p:txBody>
       </p:sp>
@@ -5174,13 +5216,6 @@
   <p:clrMapOvr>
     <a:masterClrMapping/>
   </p:clrMapOvr>
-  <p:timing>
-    <p:tnLst>
-      <p:par>
-        <p:cTn id="1" dur="indefinite" restart="never" nodeType="tmRoot"/>
-      </p:par>
-    </p:tnLst>
-  </p:timing>
 </p:sld>
 </file>
 
@@ -5209,7 +5244,7 @@
         </p:nvSpPr>
         <p:spPr>
           <a:xfrm>
-            <a:off x="3130891" y="477793"/>
+            <a:off x="3130891" y="180337"/>
             <a:ext cx="5923943" cy="6355588"/>
           </a:xfrm>
           <a:prstGeom prst="rect">
@@ -5228,52 +5263,17 @@
                 <a:latin typeface="Consolas"/>
                 <a:cs typeface="Consolas"/>
               </a:rPr>
-              <a:t> </a:t>
-            </a:r>
-            <a:r>
-              <a:rPr lang="en-US" sz="1100" dirty="0" smtClean="0">
+              <a:t>    Method: Parameters       N/N</a:t>
+            </a:r>
+            <a:r>
+              <a:rPr lang="en-US" sz="1100" baseline="-25000" dirty="0">
                 <a:latin typeface="Consolas"/>
                 <a:cs typeface="Consolas"/>
               </a:rPr>
-              <a:t>   Method</a:t>
+              <a:t>O</a:t>
             </a:r>
             <a:r>
               <a:rPr lang="en-US" sz="1100" dirty="0">
-                <a:latin typeface="Consolas"/>
-                <a:cs typeface="Consolas"/>
-              </a:rPr>
-              <a:t>: Parameters    </a:t>
-            </a:r>
-            <a:r>
-              <a:rPr lang="en-US" sz="1100" dirty="0" smtClean="0">
-                <a:latin typeface="Consolas"/>
-                <a:cs typeface="Consolas"/>
-              </a:rPr>
-              <a:t>   </a:t>
-            </a:r>
-            <a:r>
-              <a:rPr lang="en-US" sz="1100" dirty="0">
-                <a:latin typeface="Consolas"/>
-                <a:cs typeface="Consolas"/>
-              </a:rPr>
-              <a:t>N/</a:t>
-            </a:r>
-            <a:r>
-              <a:rPr lang="en-US" sz="1100" dirty="0" smtClean="0">
-                <a:latin typeface="Consolas"/>
-                <a:cs typeface="Consolas"/>
-              </a:rPr>
-              <a:t>N</a:t>
-            </a:r>
-            <a:r>
-              <a:rPr lang="en-US" sz="1100" baseline="-25000" dirty="0" smtClean="0">
-                <a:latin typeface="Consolas"/>
-                <a:cs typeface="Consolas"/>
-              </a:rPr>
-              <a:t>O</a:t>
-            </a:r>
-            <a:r>
-              <a:rPr lang="en-US" sz="1100" dirty="0" smtClean="0">
                 <a:latin typeface="Consolas"/>
                 <a:cs typeface="Consolas"/>
               </a:rPr>
@@ -5993,19 +5993,8 @@
                 <a:latin typeface="Consolas"/>
                 <a:cs typeface="Consolas"/>
               </a:rPr>
-              <a:t> =  91.93 +/- 2.65 [ 83.00,100.00 </a:t>
-            </a:r>
-            <a:r>
-              <a:rPr lang="en-US" sz="1100" dirty="0" smtClean="0">
-                <a:latin typeface="Consolas"/>
-                <a:cs typeface="Consolas"/>
-              </a:rPr>
-              <a:t>]</a:t>
-            </a:r>
-            <a:endParaRPr lang="en-US" sz="1100" dirty="0">
-              <a:latin typeface="Consolas"/>
-              <a:cs typeface="Consolas"/>
-            </a:endParaRPr>
+              <a:t> =  91.93 +/- 2.65 [ 83.00,100.00 ]</a:t>
+            </a:r>
           </a:p>
           <a:p>
             <a:r>
@@ -6022,35 +6011,30 @@
                 <a:latin typeface="Consolas"/>
                 <a:cs typeface="Consolas"/>
               </a:rPr>
-              <a:t>        </a:t>
-            </a:r>
-            <a:r>
-              <a:rPr lang="it-IT" sz="1100" dirty="0" smtClean="0">
+              <a:t>        L1*: 200-fold    :    1   : </a:t>
+            </a:r>
+            <a:r>
+              <a:rPr lang="it-IT" sz="1100" dirty="0" err="1">
                 <a:latin typeface="Consolas"/>
                 <a:cs typeface="Consolas"/>
               </a:rPr>
-              <a:t>L1*: </a:t>
+              <a:t>acc</a:t>
             </a:r>
             <a:r>
               <a:rPr lang="it-IT" sz="1100" dirty="0">
                 <a:latin typeface="Consolas"/>
                 <a:cs typeface="Consolas"/>
               </a:rPr>
-              <a:t>200-</a:t>
-            </a:r>
-            <a:r>
-              <a:rPr lang="it-IT" sz="1100" dirty="0" smtClean="0">
-                <a:latin typeface="Consolas"/>
-                <a:cs typeface="Consolas"/>
-              </a:rPr>
-              <a:t>fold    :    </a:t>
-            </a:r>
+              <a:t> =  92.91 +/- 1.29 [ 88.50, 96.00 ]</a:t>
+            </a:r>
+          </a:p>
+          <a:p>
             <a:r>
               <a:rPr lang="it-IT" sz="1100" dirty="0">
                 <a:latin typeface="Consolas"/>
                 <a:cs typeface="Consolas"/>
               </a:rPr>
-              <a:t>1   : </a:t>
+              <a:t>        L1*: 100-fold    :    1   : </a:t>
             </a:r>
             <a:r>
               <a:rPr lang="it-IT" sz="1100" dirty="0" err="1">
@@ -6064,7 +6048,7 @@
                 <a:latin typeface="Consolas"/>
                 <a:cs typeface="Consolas"/>
               </a:rPr>
-              <a:t> =  92.91 +/- 1.29 [ 88.50, 96.00 ]</a:t>
+              <a:t> =  92.86 +/- 1.82 [ 87.00, 98.00 ]</a:t>
             </a:r>
           </a:p>
           <a:p>
@@ -6073,86 +6057,7 @@
                 <a:latin typeface="Consolas"/>
                 <a:cs typeface="Consolas"/>
               </a:rPr>
-              <a:t>        </a:t>
-            </a:r>
-            <a:r>
-              <a:rPr lang="it-IT" sz="1100" dirty="0" smtClean="0">
-                <a:latin typeface="Consolas"/>
-                <a:cs typeface="Consolas"/>
-              </a:rPr>
-              <a:t>L1*: </a:t>
-            </a:r>
-            <a:r>
-              <a:rPr lang="it-IT" sz="1100" dirty="0">
-                <a:latin typeface="Consolas"/>
-                <a:cs typeface="Consolas"/>
-              </a:rPr>
-              <a:t>100-fold  </a:t>
-            </a:r>
-            <a:r>
-              <a:rPr lang="it-IT" sz="1100" dirty="0" smtClean="0">
-                <a:latin typeface="Consolas"/>
-                <a:cs typeface="Consolas"/>
-              </a:rPr>
-              <a:t>  :    </a:t>
-            </a:r>
-            <a:r>
-              <a:rPr lang="it-IT" sz="1100" dirty="0">
-                <a:latin typeface="Consolas"/>
-                <a:cs typeface="Consolas"/>
-              </a:rPr>
-              <a:t>1   : </a:t>
-            </a:r>
-            <a:r>
-              <a:rPr lang="it-IT" sz="1100" dirty="0" err="1">
-                <a:latin typeface="Consolas"/>
-                <a:cs typeface="Consolas"/>
-              </a:rPr>
-              <a:t>acc</a:t>
-            </a:r>
-            <a:r>
-              <a:rPr lang="it-IT" sz="1100" dirty="0">
-                <a:latin typeface="Consolas"/>
-                <a:cs typeface="Consolas"/>
-              </a:rPr>
-              <a:t> =  92.86 +/- 1.82 [ 87.00, 98.00 ]</a:t>
-            </a:r>
-          </a:p>
-          <a:p>
-            <a:r>
-              <a:rPr lang="it-IT" sz="1100" dirty="0">
-                <a:latin typeface="Consolas"/>
-                <a:cs typeface="Consolas"/>
-              </a:rPr>
-              <a:t>        </a:t>
-            </a:r>
-            <a:r>
-              <a:rPr lang="it-IT" sz="1100" dirty="0" smtClean="0">
-                <a:latin typeface="Consolas"/>
-                <a:cs typeface="Consolas"/>
-              </a:rPr>
-              <a:t>L1*:  </a:t>
-            </a:r>
-            <a:r>
-              <a:rPr lang="it-IT" sz="1100" dirty="0">
-                <a:latin typeface="Consolas"/>
-                <a:cs typeface="Consolas"/>
-              </a:rPr>
-              <a:t>50-fold  </a:t>
-            </a:r>
-            <a:r>
-              <a:rPr lang="it-IT" sz="1100" dirty="0" smtClean="0">
-                <a:latin typeface="Consolas"/>
-                <a:cs typeface="Consolas"/>
-              </a:rPr>
-              <a:t>  :    </a:t>
-            </a:r>
-            <a:r>
-              <a:rPr lang="it-IT" sz="1100" dirty="0">
-                <a:latin typeface="Consolas"/>
-                <a:cs typeface="Consolas"/>
-              </a:rPr>
-              <a:t>1   : </a:t>
+              <a:t>        L1*:  50-fold    :    1   : </a:t>
             </a:r>
             <a:r>
               <a:rPr lang="it-IT" sz="1100" dirty="0" err="1">
@@ -6200,47 +6105,38 @@
           <a:lstStyle/>
           <a:p>
             <a:r>
-              <a:rPr lang="en-US" sz="2000" dirty="0" smtClean="0"/>
-              <a:t>After</a:t>
-            </a:r>
-            <a:r>
               <a:rPr lang="en-US" sz="2000" dirty="0"/>
-              <a:t> </a:t>
-            </a:r>
-            <a:r>
-              <a:rPr lang="en-US" sz="2000" dirty="0" smtClean="0"/>
-              <a:t>1000 Repetitions!</a:t>
+              <a:t>After 1000 Repetitions!</a:t>
             </a:r>
           </a:p>
           <a:p>
             <a:endParaRPr lang="en-US" sz="2000" dirty="0"/>
           </a:p>
           <a:p>
-            <a:endParaRPr lang="en-US" sz="2000" dirty="0" smtClean="0"/>
-          </a:p>
-          <a:p>
             <a:endParaRPr lang="en-US" sz="2000" dirty="0"/>
           </a:p>
           <a:p>
-            <a:r>
-              <a:rPr lang="en-US" sz="2000" dirty="0" smtClean="0"/>
+            <a:endParaRPr lang="en-US" sz="2000" dirty="0"/>
+          </a:p>
+          <a:p>
+            <a:r>
+              <a:rPr lang="en-US" sz="2000" dirty="0"/>
               <a:t>N = 1000 (available data)</a:t>
             </a:r>
           </a:p>
           <a:p>
             <a:r>
-              <a:rPr lang="en-US" sz="2000" dirty="0" smtClean="0"/>
+              <a:rPr lang="en-US" sz="2000" dirty="0"/>
               <a:t>N</a:t>
             </a:r>
             <a:r>
-              <a:rPr lang="en-US" sz="2000" baseline="-25000" dirty="0" smtClean="0"/>
+              <a:rPr lang="en-US" sz="2000" baseline="-25000" dirty="0"/>
               <a:t>0</a:t>
             </a:r>
             <a:r>
-              <a:rPr lang="en-US" sz="2000" dirty="0" smtClean="0"/>
+              <a:rPr lang="en-US" sz="2000" dirty="0"/>
               <a:t> used data</a:t>
             </a:r>
-            <a:endParaRPr lang="en-US" sz="2000" dirty="0"/>
           </a:p>
         </p:txBody>
       </p:sp>
@@ -6313,6 +6209,77 @@
           <a:p>
             <a:pPr algn="ctr"/>
             <a:endParaRPr lang="en-US"/>
+          </a:p>
+        </p:txBody>
+      </p:sp>
+      <p:sp>
+        <p:nvSpPr>
+          <p:cNvPr id="2" name="Slide Number Placeholder 1">
+            <a:extLst>
+              <a:ext uri="{FF2B5EF4-FFF2-40B4-BE49-F238E27FC236}">
+                <a16:creationId xmlns:a16="http://schemas.microsoft.com/office/drawing/2014/main" id="{AB4256FA-CA19-CD45-B1AA-CAD8FF0D66B8}"/>
+              </a:ext>
+            </a:extLst>
+          </p:cNvPr>
+          <p:cNvSpPr>
+            <a:spLocks noGrp="1"/>
+          </p:cNvSpPr>
+          <p:nvPr>
+            <p:ph type="sldNum" sz="quarter" idx="12"/>
+          </p:nvPr>
+        </p:nvSpPr>
+        <p:spPr/>
+        <p:txBody>
+          <a:bodyPr/>
+          <a:lstStyle/>
+          <a:p>
+            <a:fld id="{9C0B2870-7350-8D40-A01A-CE539DF873CB}" type="slidenum">
+              <a:rPr lang="en-US" smtClean="0"/>
+              <a:t>11</a:t>
+            </a:fld>
+            <a:endParaRPr lang="en-US"/>
+          </a:p>
+        </p:txBody>
+      </p:sp>
+      <p:sp>
+        <p:nvSpPr>
+          <p:cNvPr id="9" name="TextBox 8">
+            <a:extLst>
+              <a:ext uri="{FF2B5EF4-FFF2-40B4-BE49-F238E27FC236}">
+                <a16:creationId xmlns:a16="http://schemas.microsoft.com/office/drawing/2014/main" id="{ABD1C3A8-0FCF-ED46-A9DC-4ED3176BA7BA}"/>
+              </a:ext>
+            </a:extLst>
+          </p:cNvPr>
+          <p:cNvSpPr txBox="1"/>
+          <p:nvPr/>
+        </p:nvSpPr>
+        <p:spPr>
+          <a:xfrm>
+            <a:off x="3138956" y="6581001"/>
+            <a:ext cx="2182072" cy="276999"/>
+          </a:xfrm>
+          <a:prstGeom prst="rect">
+            <a:avLst/>
+          </a:prstGeom>
+          <a:noFill/>
+        </p:spPr>
+        <p:txBody>
+          <a:bodyPr wrap="none" rtlCol="0">
+            <a:spAutoFit/>
+          </a:bodyPr>
+          <a:lstStyle/>
+          <a:p>
+            <a:r>
+              <a:rPr lang="en-US" sz="1200" dirty="0">
+                <a:solidFill>
+                  <a:schemeClr val="tx1">
+                    <a:lumMod val="75000"/>
+                    <a:lumOff val="25000"/>
+                  </a:schemeClr>
+                </a:solidFill>
+              </a:rPr>
+              <a:t>PAT05_AccuracyEstimation.pptx</a:t>
+            </a:r>
           </a:p>
         </p:txBody>
       </p:sp>
@@ -6447,10 +6414,9 @@
           <a:lstStyle/>
           <a:p>
             <a:r>
-              <a:rPr lang="en-US" sz="3200" dirty="0" smtClean="0"/>
+              <a:rPr lang="en-US" sz="3200" dirty="0"/>
               <a:t>Estimating the Accuracy of a Classifier</a:t>
             </a:r>
-            <a:endParaRPr lang="en-US" sz="3200" dirty="0"/>
           </a:p>
         </p:txBody>
       </p:sp>
@@ -6573,10 +6539,9 @@
             <a:lstStyle/>
             <a:p>
               <a:r>
-                <a:rPr lang="en-US" dirty="0" smtClean="0"/>
+                <a:rPr lang="en-US" dirty="0"/>
                 <a:t>[ AVAILABLE DATA ] </a:t>
               </a:r>
-              <a:endParaRPr lang="en-US" dirty="0"/>
             </a:p>
           </p:txBody>
         </p:sp>
@@ -6603,14 +6568,13 @@
             <a:lstStyle/>
             <a:p>
               <a:r>
-                <a:rPr lang="en-US" dirty="0" smtClean="0"/>
+                <a:rPr lang="en-US" dirty="0"/>
                 <a:t>N</a:t>
               </a:r>
               <a:r>
-                <a:rPr lang="en-US" baseline="-25000" dirty="0" smtClean="0"/>
+                <a:rPr lang="en-US" baseline="-25000" dirty="0"/>
                 <a:t>0</a:t>
               </a:r>
-              <a:endParaRPr lang="en-US" baseline="-25000" dirty="0"/>
             </a:p>
           </p:txBody>
         </p:sp>
@@ -6725,10 +6689,9 @@
             <a:lstStyle/>
             <a:p>
               <a:r>
-                <a:rPr lang="en-US" dirty="0" smtClean="0"/>
+                <a:rPr lang="en-US" dirty="0"/>
                 <a:t>[ USED DATA ] </a:t>
               </a:r>
-              <a:endParaRPr lang="en-US" dirty="0"/>
             </a:p>
           </p:txBody>
         </p:sp>
@@ -6755,7 +6718,7 @@
             <a:lstStyle/>
             <a:p>
               <a:r>
-                <a:rPr lang="en-US" dirty="0" smtClean="0"/>
+                <a:rPr lang="en-US" dirty="0"/>
                 <a:t>N</a:t>
               </a:r>
               <a:endParaRPr lang="en-US" baseline="-25000" dirty="0"/>
@@ -6763,6 +6726,77 @@
           </p:txBody>
         </p:sp>
       </p:grpSp>
+      <p:sp>
+        <p:nvSpPr>
+          <p:cNvPr id="2" name="Slide Number Placeholder 1">
+            <a:extLst>
+              <a:ext uri="{FF2B5EF4-FFF2-40B4-BE49-F238E27FC236}">
+                <a16:creationId xmlns:a16="http://schemas.microsoft.com/office/drawing/2014/main" id="{27DB7929-2448-9842-85C4-F2E7FB2E6015}"/>
+              </a:ext>
+            </a:extLst>
+          </p:cNvPr>
+          <p:cNvSpPr>
+            <a:spLocks noGrp="1"/>
+          </p:cNvSpPr>
+          <p:nvPr>
+            <p:ph type="sldNum" sz="quarter" idx="12"/>
+          </p:nvPr>
+        </p:nvSpPr>
+        <p:spPr/>
+        <p:txBody>
+          <a:bodyPr/>
+          <a:lstStyle/>
+          <a:p>
+            <a:fld id="{9C0B2870-7350-8D40-A01A-CE539DF873CB}" type="slidenum">
+              <a:rPr lang="en-US" smtClean="0"/>
+              <a:t>2</a:t>
+            </a:fld>
+            <a:endParaRPr lang="en-US"/>
+          </a:p>
+        </p:txBody>
+      </p:sp>
+      <p:sp>
+        <p:nvSpPr>
+          <p:cNvPr id="3" name="TextBox 2">
+            <a:extLst>
+              <a:ext uri="{FF2B5EF4-FFF2-40B4-BE49-F238E27FC236}">
+                <a16:creationId xmlns:a16="http://schemas.microsoft.com/office/drawing/2014/main" id="{BCA5A270-C18A-954B-93CD-B7365DE9B6E8}"/>
+              </a:ext>
+            </a:extLst>
+          </p:cNvPr>
+          <p:cNvSpPr txBox="1"/>
+          <p:nvPr/>
+        </p:nvSpPr>
+        <p:spPr>
+          <a:xfrm>
+            <a:off x="3138956" y="6581001"/>
+            <a:ext cx="2182072" cy="276999"/>
+          </a:xfrm>
+          <a:prstGeom prst="rect">
+            <a:avLst/>
+          </a:prstGeom>
+          <a:noFill/>
+        </p:spPr>
+        <p:txBody>
+          <a:bodyPr wrap="none" rtlCol="0">
+            <a:spAutoFit/>
+          </a:bodyPr>
+          <a:lstStyle/>
+          <a:p>
+            <a:r>
+              <a:rPr lang="en-US" sz="1200" dirty="0">
+                <a:solidFill>
+                  <a:schemeClr val="tx1">
+                    <a:lumMod val="75000"/>
+                    <a:lumOff val="25000"/>
+                  </a:schemeClr>
+                </a:solidFill>
+              </a:rPr>
+              <a:t>PAT05_AccuracyEstimation.pptx</a:t>
+            </a:r>
+          </a:p>
+        </p:txBody>
+      </p:sp>
     </p:spTree>
     <p:extLst>
       <p:ext uri="{BB962C8B-B14F-4D97-AF65-F5344CB8AC3E}">
@@ -7078,18 +7112,13 @@
           <a:lstStyle/>
           <a:p>
             <a:r>
-              <a:rPr lang="en-US" dirty="0" smtClean="0">
+              <a:rPr lang="en-US" dirty="0">
                 <a:solidFill>
                   <a:schemeClr val="bg1"/>
                 </a:solidFill>
               </a:rPr>
               <a:t> TRAINING DATA  </a:t>
             </a:r>
-            <a:endParaRPr lang="en-US" dirty="0">
-              <a:solidFill>
-                <a:schemeClr val="bg1"/>
-              </a:solidFill>
-            </a:endParaRPr>
           </a:p>
         </p:txBody>
       </p:sp>
@@ -7116,10 +7145,9 @@
           <a:lstStyle/>
           <a:p>
             <a:r>
-              <a:rPr lang="en-US" dirty="0" smtClean="0"/>
+              <a:rPr lang="en-US" dirty="0"/>
               <a:t> TESTING DATA  </a:t>
             </a:r>
-            <a:endParaRPr lang="en-US" dirty="0"/>
           </a:p>
         </p:txBody>
       </p:sp>
@@ -7182,10 +7210,9 @@
           <a:lstStyle/>
           <a:p>
             <a:r>
-              <a:rPr lang="en-US" dirty="0" smtClean="0"/>
+              <a:rPr lang="en-US" dirty="0"/>
               <a:t>[ AVAILABLE DATA ] </a:t>
             </a:r>
-            <a:endParaRPr lang="en-US" dirty="0"/>
           </a:p>
         </p:txBody>
       </p:sp>
@@ -7212,10 +7239,9 @@
           <a:lstStyle/>
           <a:p>
             <a:r>
-              <a:rPr lang="en-US" sz="3200" dirty="0" smtClean="0"/>
+              <a:rPr lang="en-US" sz="3200" dirty="0"/>
               <a:t>Estimating the Accuracy of a Classifier</a:t>
             </a:r>
-            <a:endParaRPr lang="en-US" sz="3200" dirty="0"/>
           </a:p>
         </p:txBody>
       </p:sp>
@@ -7242,20 +7268,15 @@
           <a:lstStyle/>
           <a:p>
             <a:r>
-              <a:rPr lang="en-US" dirty="0" smtClean="0"/>
+              <a:rPr lang="en-US" dirty="0"/>
               <a:t>        Sampling:	[ Random / Non random ]</a:t>
             </a:r>
           </a:p>
           <a:p>
             <a:r>
               <a:rPr lang="en-US" dirty="0"/>
-              <a:t>	</a:t>
-            </a:r>
-            <a:r>
-              <a:rPr lang="en-US" dirty="0" smtClean="0"/>
-              <a:t>		[ Stratified / Non stratified ]</a:t>
-            </a:r>
-            <a:endParaRPr lang="en-US" dirty="0"/>
+              <a:t>			[ Stratified / Non stratified ]</a:t>
+            </a:r>
           </a:p>
         </p:txBody>
       </p:sp>
@@ -7318,10 +7339,9 @@
           <a:lstStyle/>
           <a:p>
             <a:r>
-              <a:rPr lang="en-US" dirty="0" smtClean="0"/>
+              <a:rPr lang="en-US" dirty="0"/>
               <a:t>[ USED DATA ] </a:t>
             </a:r>
-            <a:endParaRPr lang="en-US" dirty="0"/>
           </a:p>
         </p:txBody>
       </p:sp>
@@ -7351,17 +7371,16 @@
           <a:p>
             <a:pPr algn="ctr"/>
             <a:r>
-              <a:rPr lang="en-US" dirty="0" smtClean="0"/>
+              <a:rPr lang="en-US" dirty="0"/>
               <a:t>NOT</a:t>
             </a:r>
           </a:p>
           <a:p>
             <a:pPr algn="ctr"/>
             <a:r>
-              <a:rPr lang="en-US" dirty="0" smtClean="0"/>
+              <a:rPr lang="en-US" dirty="0"/>
               <a:t>USED</a:t>
             </a:r>
-            <a:endParaRPr lang="en-US" dirty="0"/>
           </a:p>
         </p:txBody>
       </p:sp>
@@ -7500,18 +7519,13 @@
               <a:lstStyle/>
               <a:p>
                 <a:r>
-                  <a:rPr lang="en-US" dirty="0" smtClean="0">
+                  <a:rPr lang="en-US" dirty="0">
                     <a:solidFill>
                       <a:schemeClr val="bg1"/>
                     </a:solidFill>
                   </a:rPr>
                   <a:t>MODEL LEARNING</a:t>
                 </a:r>
-                <a:endParaRPr lang="en-US" dirty="0">
-                  <a:solidFill>
-                    <a:schemeClr val="bg1"/>
-                  </a:solidFill>
-                </a:endParaRPr>
               </a:p>
             </p:txBody>
           </p:sp>
@@ -7692,18 +7706,13 @@
             <a:lstStyle/>
             <a:p>
               <a:r>
-                <a:rPr lang="en-US" dirty="0" smtClean="0">
+                <a:rPr lang="en-US" dirty="0">
                   <a:solidFill>
                     <a:schemeClr val="bg1"/>
                   </a:solidFill>
                 </a:rPr>
                 <a:t>CLASSIFICATION</a:t>
               </a:r>
-              <a:endParaRPr lang="en-US" dirty="0">
-                <a:solidFill>
-                  <a:schemeClr val="bg1"/>
-                </a:solidFill>
-              </a:endParaRPr>
             </a:p>
           </p:txBody>
         </p:sp>
@@ -7820,10 +7829,10 @@
                 </a:lnSpc>
               </a:pPr>
               <a:r>
-                <a:rPr lang="en-US" smtClean="0"/>
+                <a:rPr lang="en-US"/>
                 <a:t>Accuracy</a:t>
               </a:r>
-              <a:endParaRPr lang="en-US" dirty="0" smtClean="0"/>
+              <a:endParaRPr lang="en-US" dirty="0"/>
             </a:p>
           </p:txBody>
         </p:sp>
@@ -7983,7 +7992,7 @@
                   </a:lnSpc>
                 </a:pPr>
                 <a:r>
-                  <a:rPr lang="en-US" sz="1400" dirty="0" smtClean="0"/>
+                  <a:rPr lang="en-US" sz="1400" dirty="0"/>
                   <a:t>Model</a:t>
                 </a:r>
               </a:p>
@@ -7994,10 +8003,9 @@
                   </a:lnSpc>
                 </a:pPr>
                 <a:r>
-                  <a:rPr lang="en-US" sz="1400" dirty="0" smtClean="0"/>
+                  <a:rPr lang="en-US" sz="1400" dirty="0"/>
                   <a:t>Parameters</a:t>
                 </a:r>
-                <a:endParaRPr lang="en-US" sz="1400" dirty="0"/>
               </a:p>
             </p:txBody>
           </p:sp>
@@ -8208,10 +8216,9 @@
             <a:lstStyle/>
             <a:p>
               <a:r>
-                <a:rPr lang="en-US" smtClean="0"/>
+                <a:rPr lang="en-US"/>
                 <a:t>(prediction)</a:t>
               </a:r>
-              <a:endParaRPr lang="en-US"/>
             </a:p>
           </p:txBody>
         </p:sp>
@@ -8238,14 +8245,84 @@
             <a:lstStyle/>
             <a:p>
               <a:r>
-                <a:rPr lang="en-US" dirty="0" smtClean="0"/>
+                <a:rPr lang="en-US" dirty="0"/>
                 <a:t>(ideal)</a:t>
               </a:r>
-              <a:endParaRPr lang="en-US" dirty="0"/>
             </a:p>
           </p:txBody>
         </p:sp>
       </p:grpSp>
+      <p:sp>
+        <p:nvSpPr>
+          <p:cNvPr id="33" name="Slide Number Placeholder 32">
+            <a:extLst>
+              <a:ext uri="{FF2B5EF4-FFF2-40B4-BE49-F238E27FC236}">
+                <a16:creationId xmlns:a16="http://schemas.microsoft.com/office/drawing/2014/main" id="{D4A8F5B7-DC27-9A46-8A88-02760B756C04}"/>
+              </a:ext>
+            </a:extLst>
+          </p:cNvPr>
+          <p:cNvSpPr>
+            <a:spLocks noGrp="1"/>
+          </p:cNvSpPr>
+          <p:nvPr>
+            <p:ph type="sldNum" sz="quarter" idx="12"/>
+          </p:nvPr>
+        </p:nvSpPr>
+        <p:spPr/>
+        <p:txBody>
+          <a:bodyPr/>
+          <a:lstStyle/>
+          <a:p>
+            <a:fld id="{9C0B2870-7350-8D40-A01A-CE539DF873CB}" type="slidenum">
+              <a:rPr lang="en-US" smtClean="0"/>
+              <a:t>3</a:t>
+            </a:fld>
+            <a:endParaRPr lang="en-US"/>
+          </a:p>
+        </p:txBody>
+      </p:sp>
+      <p:sp>
+        <p:nvSpPr>
+          <p:cNvPr id="50" name="TextBox 49">
+            <a:extLst>
+              <a:ext uri="{FF2B5EF4-FFF2-40B4-BE49-F238E27FC236}">
+                <a16:creationId xmlns:a16="http://schemas.microsoft.com/office/drawing/2014/main" id="{413191FA-11CF-BC4F-A8D4-135AA925C740}"/>
+              </a:ext>
+            </a:extLst>
+          </p:cNvPr>
+          <p:cNvSpPr txBox="1"/>
+          <p:nvPr/>
+        </p:nvSpPr>
+        <p:spPr>
+          <a:xfrm>
+            <a:off x="3138956" y="6581001"/>
+            <a:ext cx="2182072" cy="276999"/>
+          </a:xfrm>
+          <a:prstGeom prst="rect">
+            <a:avLst/>
+          </a:prstGeom>
+          <a:noFill/>
+        </p:spPr>
+        <p:txBody>
+          <a:bodyPr wrap="none" rtlCol="0">
+            <a:spAutoFit/>
+          </a:bodyPr>
+          <a:lstStyle/>
+          <a:p>
+            <a:r>
+              <a:rPr lang="en-US" sz="1200" dirty="0">
+                <a:solidFill>
+                  <a:schemeClr val="tx1">
+                    <a:lumMod val="75000"/>
+                    <a:lumOff val="25000"/>
+                  </a:schemeClr>
+                </a:solidFill>
+              </a:rPr>
+              <a:t>PAT05_AccuracyEstimation.pptx</a:t>
+            </a:r>
+          </a:p>
+        </p:txBody>
+      </p:sp>
     </p:spTree>
     <p:extLst>
       <p:ext uri="{BB962C8B-B14F-4D97-AF65-F5344CB8AC3E}">
@@ -8951,10 +9028,9 @@
           <a:lstStyle/>
           <a:p>
             <a:r>
-              <a:rPr lang="en-US" dirty="0" smtClean="0"/>
+              <a:rPr lang="en-US" dirty="0"/>
               <a:t>[ AVAILABLE DATA ] </a:t>
             </a:r>
-            <a:endParaRPr lang="en-US" dirty="0"/>
           </a:p>
         </p:txBody>
       </p:sp>
@@ -8981,10 +9057,9 @@
           <a:lstStyle/>
           <a:p>
             <a:r>
-              <a:rPr lang="en-US" sz="3200" dirty="0" smtClean="0"/>
+              <a:rPr lang="en-US" sz="3200" dirty="0"/>
               <a:t>Estimating the Accuracy of a Classifier</a:t>
             </a:r>
-            <a:endParaRPr lang="en-US" sz="3200" dirty="0"/>
           </a:p>
         </p:txBody>
       </p:sp>
@@ -9047,10 +9122,9 @@
           <a:lstStyle/>
           <a:p>
             <a:r>
-              <a:rPr lang="en-US" dirty="0" smtClean="0"/>
+              <a:rPr lang="en-US" dirty="0"/>
               <a:t>[ USED DATA ] </a:t>
             </a:r>
-            <a:endParaRPr lang="en-US" dirty="0"/>
           </a:p>
         </p:txBody>
       </p:sp>
@@ -9082,7 +9156,7 @@
               </a:lnSpc>
             </a:pPr>
             <a:r>
-              <a:rPr lang="en-US" sz="4000" dirty="0" err="1" smtClean="0"/>
+              <a:rPr lang="en-US" sz="4000" dirty="0" err="1"/>
               <a:t>η</a:t>
             </a:r>
             <a:endParaRPr lang="en-US" sz="4000" dirty="0"/>
@@ -9115,17 +9189,16 @@
           <a:p>
             <a:pPr algn="ctr"/>
             <a:r>
-              <a:rPr lang="en-US" dirty="0" smtClean="0"/>
+              <a:rPr lang="en-US" dirty="0"/>
               <a:t>NOT</a:t>
             </a:r>
           </a:p>
           <a:p>
             <a:pPr algn="ctr"/>
             <a:r>
-              <a:rPr lang="en-US" dirty="0" smtClean="0"/>
+              <a:rPr lang="en-US" dirty="0"/>
               <a:t>USED</a:t>
             </a:r>
-            <a:endParaRPr lang="en-US" dirty="0"/>
           </a:p>
         </p:txBody>
       </p:sp>
@@ -9152,18 +9225,13 @@
           <a:lstStyle/>
           <a:p>
             <a:r>
-              <a:rPr lang="en-US" dirty="0" smtClean="0">
+              <a:rPr lang="en-US" dirty="0">
                 <a:solidFill>
                   <a:schemeClr val="bg1"/>
                 </a:solidFill>
               </a:rPr>
               <a:t> TRAINING DATA  </a:t>
             </a:r>
-            <a:endParaRPr lang="en-US" dirty="0">
-              <a:solidFill>
-                <a:schemeClr val="bg1"/>
-              </a:solidFill>
-            </a:endParaRPr>
           </a:p>
         </p:txBody>
       </p:sp>
@@ -9190,10 +9258,80 @@
           <a:lstStyle/>
           <a:p>
             <a:r>
-              <a:rPr lang="en-US" dirty="0" smtClean="0"/>
+              <a:rPr lang="en-US" dirty="0"/>
               <a:t> TESTING DATA  </a:t>
             </a:r>
-            <a:endParaRPr lang="en-US" dirty="0"/>
+          </a:p>
+        </p:txBody>
+      </p:sp>
+      <p:sp>
+        <p:nvSpPr>
+          <p:cNvPr id="2" name="Slide Number Placeholder 1">
+            <a:extLst>
+              <a:ext uri="{FF2B5EF4-FFF2-40B4-BE49-F238E27FC236}">
+                <a16:creationId xmlns:a16="http://schemas.microsoft.com/office/drawing/2014/main" id="{4BFC3037-4881-014A-9084-DEFE689E9676}"/>
+              </a:ext>
+            </a:extLst>
+          </p:cNvPr>
+          <p:cNvSpPr>
+            <a:spLocks noGrp="1"/>
+          </p:cNvSpPr>
+          <p:nvPr>
+            <p:ph type="sldNum" sz="quarter" idx="12"/>
+          </p:nvPr>
+        </p:nvSpPr>
+        <p:spPr/>
+        <p:txBody>
+          <a:bodyPr/>
+          <a:lstStyle/>
+          <a:p>
+            <a:fld id="{9C0B2870-7350-8D40-A01A-CE539DF873CB}" type="slidenum">
+              <a:rPr lang="en-US" smtClean="0"/>
+              <a:t>4</a:t>
+            </a:fld>
+            <a:endParaRPr lang="en-US"/>
+          </a:p>
+        </p:txBody>
+      </p:sp>
+      <p:sp>
+        <p:nvSpPr>
+          <p:cNvPr id="15" name="TextBox 14">
+            <a:extLst>
+              <a:ext uri="{FF2B5EF4-FFF2-40B4-BE49-F238E27FC236}">
+                <a16:creationId xmlns:a16="http://schemas.microsoft.com/office/drawing/2014/main" id="{ACB24569-7C05-5A48-94E6-9D0CF435317E}"/>
+              </a:ext>
+            </a:extLst>
+          </p:cNvPr>
+          <p:cNvSpPr txBox="1"/>
+          <p:nvPr/>
+        </p:nvSpPr>
+        <p:spPr>
+          <a:xfrm>
+            <a:off x="3138956" y="6581001"/>
+            <a:ext cx="2182072" cy="276999"/>
+          </a:xfrm>
+          <a:prstGeom prst="rect">
+            <a:avLst/>
+          </a:prstGeom>
+          <a:noFill/>
+        </p:spPr>
+        <p:txBody>
+          <a:bodyPr wrap="none" rtlCol="0">
+            <a:spAutoFit/>
+          </a:bodyPr>
+          <a:lstStyle/>
+          <a:p>
+            <a:r>
+              <a:rPr lang="en-US" sz="1200" dirty="0">
+                <a:solidFill>
+                  <a:schemeClr val="tx1">
+                    <a:lumMod val="75000"/>
+                    <a:lumOff val="25000"/>
+                  </a:schemeClr>
+                </a:solidFill>
+              </a:rPr>
+              <a:t>PAT05_AccuracyEstimation.pptx</a:t>
+            </a:r>
           </a:p>
         </p:txBody>
       </p:sp>
@@ -9207,13 +9345,6 @@
   <p:clrMapOvr>
     <a:masterClrMapping/>
   </p:clrMapOvr>
-  <p:timing>
-    <p:tnLst>
-      <p:par>
-        <p:cTn id="1" dur="indefinite" restart="never" nodeType="tmRoot"/>
-      </p:par>
-    </p:tnLst>
-  </p:timing>
 </p:sld>
 </file>
 
@@ -9399,10 +9530,9 @@
           <a:lstStyle/>
           <a:p>
             <a:r>
-              <a:rPr lang="en-US" sz="3200" dirty="0" smtClean="0"/>
+              <a:rPr lang="en-US" sz="3200" dirty="0"/>
               <a:t>Estimating the Accuracy of a Classifier</a:t>
             </a:r>
-            <a:endParaRPr lang="en-US" sz="3200" dirty="0"/>
           </a:p>
         </p:txBody>
       </p:sp>
@@ -9434,10 +9564,81 @@
               </a:lnSpc>
             </a:pPr>
             <a:r>
-              <a:rPr lang="en-US" sz="4000" dirty="0" err="1" smtClean="0"/>
+              <a:rPr lang="en-US" sz="4000" dirty="0" err="1"/>
               <a:t>η</a:t>
             </a:r>
             <a:endParaRPr lang="en-US" sz="4000" dirty="0"/>
+          </a:p>
+        </p:txBody>
+      </p:sp>
+      <p:sp>
+        <p:nvSpPr>
+          <p:cNvPr id="2" name="Slide Number Placeholder 1">
+            <a:extLst>
+              <a:ext uri="{FF2B5EF4-FFF2-40B4-BE49-F238E27FC236}">
+                <a16:creationId xmlns:a16="http://schemas.microsoft.com/office/drawing/2014/main" id="{C0539048-F259-B540-9A30-C017086BF0E3}"/>
+              </a:ext>
+            </a:extLst>
+          </p:cNvPr>
+          <p:cNvSpPr>
+            <a:spLocks noGrp="1"/>
+          </p:cNvSpPr>
+          <p:nvPr>
+            <p:ph type="sldNum" sz="quarter" idx="12"/>
+          </p:nvPr>
+        </p:nvSpPr>
+        <p:spPr/>
+        <p:txBody>
+          <a:bodyPr/>
+          <a:lstStyle/>
+          <a:p>
+            <a:fld id="{9C0B2870-7350-8D40-A01A-CE539DF873CB}" type="slidenum">
+              <a:rPr lang="en-US" smtClean="0"/>
+              <a:t>5</a:t>
+            </a:fld>
+            <a:endParaRPr lang="en-US"/>
+          </a:p>
+        </p:txBody>
+      </p:sp>
+      <p:sp>
+        <p:nvSpPr>
+          <p:cNvPr id="9" name="TextBox 8">
+            <a:extLst>
+              <a:ext uri="{FF2B5EF4-FFF2-40B4-BE49-F238E27FC236}">
+                <a16:creationId xmlns:a16="http://schemas.microsoft.com/office/drawing/2014/main" id="{03505D75-6D42-D844-94D9-E81009E2EDEC}"/>
+              </a:ext>
+            </a:extLst>
+          </p:cNvPr>
+          <p:cNvSpPr txBox="1"/>
+          <p:nvPr/>
+        </p:nvSpPr>
+        <p:spPr>
+          <a:xfrm>
+            <a:off x="3138956" y="6581001"/>
+            <a:ext cx="2182072" cy="276999"/>
+          </a:xfrm>
+          <a:prstGeom prst="rect">
+            <a:avLst/>
+          </a:prstGeom>
+          <a:noFill/>
+        </p:spPr>
+        <p:txBody>
+          <a:bodyPr wrap="none" rtlCol="0">
+            <a:spAutoFit/>
+          </a:bodyPr>
+          <a:lstStyle/>
+          <a:p>
+            <a:r>
+              <a:rPr lang="en-US" sz="1200" dirty="0">
+                <a:solidFill>
+                  <a:schemeClr val="tx1">
+                    <a:lumMod val="75000"/>
+                    <a:lumOff val="25000"/>
+                  </a:schemeClr>
+                </a:solidFill>
+              </a:rPr>
+              <a:t>PAT05_AccuracyEstimation.pptx</a:t>
+            </a:r>
           </a:p>
         </p:txBody>
       </p:sp>
@@ -9451,13 +9652,6 @@
   <p:clrMapOvr>
     <a:masterClrMapping/>
   </p:clrMapOvr>
-  <p:timing>
-    <p:tnLst>
-      <p:par>
-        <p:cTn id="1" dur="indefinite" restart="never" nodeType="tmRoot"/>
-      </p:par>
-    </p:tnLst>
-  </p:timing>
 </p:sld>
 </file>
 
@@ -9643,10 +9837,9 @@
           <a:lstStyle/>
           <a:p>
             <a:r>
-              <a:rPr lang="en-US" sz="3200" dirty="0" smtClean="0"/>
+              <a:rPr lang="en-US" sz="3200" dirty="0"/>
               <a:t>Estimating the Accuracy of a Classifier</a:t>
             </a:r>
-            <a:endParaRPr lang="en-US" sz="3200" dirty="0"/>
           </a:p>
         </p:txBody>
       </p:sp>
@@ -9678,7 +9871,7 @@
               </a:lnSpc>
             </a:pPr>
             <a:r>
-              <a:rPr lang="en-US" sz="4000" dirty="0" err="1" smtClean="0"/>
+              <a:rPr lang="en-US" sz="4000" dirty="0" err="1"/>
               <a:t>η</a:t>
             </a:r>
             <a:endParaRPr lang="en-US" sz="4000" dirty="0"/>
@@ -9710,10 +9903,80 @@
           <a:lstStyle/>
           <a:p>
             <a:r>
-              <a:rPr lang="en-US" dirty="0" smtClean="0"/>
+              <a:rPr lang="en-US" dirty="0"/>
               <a:t>HO: HOLD OUT</a:t>
             </a:r>
-            <a:endParaRPr lang="en-US" dirty="0"/>
+          </a:p>
+        </p:txBody>
+      </p:sp>
+      <p:sp>
+        <p:nvSpPr>
+          <p:cNvPr id="2" name="Slide Number Placeholder 1">
+            <a:extLst>
+              <a:ext uri="{FF2B5EF4-FFF2-40B4-BE49-F238E27FC236}">
+                <a16:creationId xmlns:a16="http://schemas.microsoft.com/office/drawing/2014/main" id="{75473FCE-B918-D54B-AD0A-3FBF1B2BA0E5}"/>
+              </a:ext>
+            </a:extLst>
+          </p:cNvPr>
+          <p:cNvSpPr>
+            <a:spLocks noGrp="1"/>
+          </p:cNvSpPr>
+          <p:nvPr>
+            <p:ph type="sldNum" sz="quarter" idx="12"/>
+          </p:nvPr>
+        </p:nvSpPr>
+        <p:spPr/>
+        <p:txBody>
+          <a:bodyPr/>
+          <a:lstStyle/>
+          <a:p>
+            <a:fld id="{9C0B2870-7350-8D40-A01A-CE539DF873CB}" type="slidenum">
+              <a:rPr lang="en-US" smtClean="0"/>
+              <a:t>6</a:t>
+            </a:fld>
+            <a:endParaRPr lang="en-US"/>
+          </a:p>
+        </p:txBody>
+      </p:sp>
+      <p:sp>
+        <p:nvSpPr>
+          <p:cNvPr id="9" name="TextBox 8">
+            <a:extLst>
+              <a:ext uri="{FF2B5EF4-FFF2-40B4-BE49-F238E27FC236}">
+                <a16:creationId xmlns:a16="http://schemas.microsoft.com/office/drawing/2014/main" id="{9F3CEEEC-85F2-2543-B70F-71A451ED4A3D}"/>
+              </a:ext>
+            </a:extLst>
+          </p:cNvPr>
+          <p:cNvSpPr txBox="1"/>
+          <p:nvPr/>
+        </p:nvSpPr>
+        <p:spPr>
+          <a:xfrm>
+            <a:off x="3138956" y="6581001"/>
+            <a:ext cx="2182072" cy="276999"/>
+          </a:xfrm>
+          <a:prstGeom prst="rect">
+            <a:avLst/>
+          </a:prstGeom>
+          <a:noFill/>
+        </p:spPr>
+        <p:txBody>
+          <a:bodyPr wrap="none" rtlCol="0">
+            <a:spAutoFit/>
+          </a:bodyPr>
+          <a:lstStyle/>
+          <a:p>
+            <a:r>
+              <a:rPr lang="en-US" sz="1200" dirty="0">
+                <a:solidFill>
+                  <a:schemeClr val="tx1">
+                    <a:lumMod val="75000"/>
+                    <a:lumOff val="25000"/>
+                  </a:schemeClr>
+                </a:solidFill>
+              </a:rPr>
+              <a:t>PAT05_AccuracyEstimation.pptx</a:t>
+            </a:r>
           </a:p>
         </p:txBody>
       </p:sp>
@@ -9727,13 +9990,6 @@
   <p:clrMapOvr>
     <a:masterClrMapping/>
   </p:clrMapOvr>
-  <p:timing>
-    <p:tnLst>
-      <p:par>
-        <p:cTn id="1" dur="indefinite" restart="never" nodeType="tmRoot"/>
-      </p:par>
-    </p:tnLst>
-  </p:timing>
 </p:sld>
 </file>
 
@@ -9919,10 +10175,9 @@
           <a:lstStyle/>
           <a:p>
             <a:r>
-              <a:rPr lang="en-US" sz="3200" dirty="0" smtClean="0"/>
+              <a:rPr lang="en-US" sz="3200" dirty="0"/>
               <a:t>Estimating the Accuracy of a Classifier</a:t>
             </a:r>
-            <a:endParaRPr lang="en-US" sz="3200" dirty="0"/>
           </a:p>
         </p:txBody>
       </p:sp>
@@ -9954,14 +10209,13 @@
               </a:lnSpc>
             </a:pPr>
             <a:r>
-              <a:rPr lang="en-US" sz="4000" dirty="0" smtClean="0"/>
+              <a:rPr lang="en-US" sz="4000" dirty="0"/>
               <a:t>η</a:t>
             </a:r>
             <a:r>
-              <a:rPr lang="en-US" sz="4000" baseline="-25000" dirty="0" smtClean="0"/>
+              <a:rPr lang="en-US" sz="4000" baseline="-25000" dirty="0"/>
               <a:t>1</a:t>
             </a:r>
-            <a:endParaRPr lang="en-US" sz="4000" baseline="-25000" dirty="0"/>
           </a:p>
         </p:txBody>
       </p:sp>
@@ -9990,10 +10244,9 @@
           <a:lstStyle/>
           <a:p>
             <a:r>
-              <a:rPr lang="en-US" dirty="0" smtClean="0"/>
+              <a:rPr lang="en-US" dirty="0"/>
               <a:t>CV: CROSS VALIDATION – n folds</a:t>
             </a:r>
-            <a:endParaRPr lang="en-US" dirty="0"/>
           </a:p>
         </p:txBody>
       </p:sp>
@@ -10167,14 +10420,13 @@
               </a:lnSpc>
             </a:pPr>
             <a:r>
-              <a:rPr lang="en-US" sz="4000" dirty="0" smtClean="0"/>
+              <a:rPr lang="en-US" sz="4000" dirty="0"/>
               <a:t>η</a:t>
             </a:r>
             <a:r>
-              <a:rPr lang="en-US" sz="4000" baseline="-25000" dirty="0" smtClean="0"/>
+              <a:rPr lang="en-US" sz="4000" baseline="-25000" dirty="0"/>
               <a:t>2</a:t>
             </a:r>
-            <a:endParaRPr lang="en-US" sz="4000" baseline="-25000" dirty="0"/>
           </a:p>
         </p:txBody>
       </p:sp>
@@ -10348,14 +10600,13 @@
               </a:lnSpc>
             </a:pPr>
             <a:r>
-              <a:rPr lang="en-US" sz="4000" dirty="0" smtClean="0"/>
+              <a:rPr lang="en-US" sz="4000" dirty="0"/>
               <a:t>η</a:t>
             </a:r>
             <a:r>
-              <a:rPr lang="en-US" sz="4000" baseline="-25000" dirty="0" smtClean="0"/>
+              <a:rPr lang="en-US" sz="4000" baseline="-25000" dirty="0"/>
               <a:t>3</a:t>
             </a:r>
-            <a:endParaRPr lang="en-US" sz="4000" baseline="-25000" dirty="0"/>
           </a:p>
         </p:txBody>
       </p:sp>
@@ -10529,11 +10780,11 @@
               </a:lnSpc>
             </a:pPr>
             <a:r>
-              <a:rPr lang="en-US" sz="4000" dirty="0" err="1" smtClean="0"/>
+              <a:rPr lang="en-US" sz="4000" dirty="0" err="1"/>
               <a:t>η</a:t>
             </a:r>
             <a:r>
-              <a:rPr lang="en-US" sz="4000" baseline="-25000" dirty="0" err="1" smtClean="0"/>
+              <a:rPr lang="en-US" sz="4000" baseline="-25000" dirty="0" err="1"/>
               <a:t>n</a:t>
             </a:r>
             <a:endParaRPr lang="en-US" sz="4000" baseline="-25000" dirty="0"/>
@@ -10568,47 +10819,47 @@
               </a:lnSpc>
             </a:pPr>
             <a:r>
-              <a:rPr lang="en-US" sz="3200" dirty="0" err="1" smtClean="0"/>
+              <a:rPr lang="en-US" sz="3200" dirty="0" err="1"/>
               <a:t>η</a:t>
             </a:r>
             <a:r>
-              <a:rPr lang="en-US" sz="3200" dirty="0" smtClean="0"/>
+              <a:rPr lang="en-US" sz="3200" dirty="0"/>
               <a:t> = (η</a:t>
             </a:r>
             <a:r>
-              <a:rPr lang="en-US" sz="3200" baseline="-25000" dirty="0" smtClean="0"/>
+              <a:rPr lang="en-US" sz="3200" baseline="-25000" dirty="0"/>
               <a:t>1</a:t>
             </a:r>
             <a:r>
-              <a:rPr lang="en-US" sz="3200" dirty="0" smtClean="0"/>
+              <a:rPr lang="en-US" sz="3200" dirty="0"/>
               <a:t>+ η</a:t>
             </a:r>
             <a:r>
-              <a:rPr lang="en-US" sz="3200" baseline="-25000" dirty="0" smtClean="0"/>
+              <a:rPr lang="en-US" sz="3200" baseline="-25000" dirty="0"/>
               <a:t>2</a:t>
             </a:r>
             <a:r>
-              <a:rPr lang="en-US" sz="3200" dirty="0" smtClean="0"/>
+              <a:rPr lang="en-US" sz="3200" dirty="0"/>
               <a:t>+ η</a:t>
             </a:r>
             <a:r>
-              <a:rPr lang="en-US" sz="3200" baseline="-25000" dirty="0" smtClean="0"/>
+              <a:rPr lang="en-US" sz="3200" baseline="-25000" dirty="0"/>
               <a:t>3</a:t>
             </a:r>
             <a:r>
-              <a:rPr lang="en-US" sz="3200" dirty="0" smtClean="0"/>
+              <a:rPr lang="en-US" sz="3200" dirty="0"/>
               <a:t>+ . . . + </a:t>
             </a:r>
             <a:r>
-              <a:rPr lang="en-US" sz="3200" dirty="0" err="1" smtClean="0"/>
+              <a:rPr lang="en-US" sz="3200" dirty="0" err="1"/>
               <a:t>η</a:t>
             </a:r>
             <a:r>
-              <a:rPr lang="en-US" sz="3200" baseline="-25000" dirty="0" err="1" smtClean="0"/>
+              <a:rPr lang="en-US" sz="3200" baseline="-25000" dirty="0" err="1"/>
               <a:t>n</a:t>
             </a:r>
             <a:r>
-              <a:rPr lang="en-US" sz="3200" dirty="0" smtClean="0"/>
+              <a:rPr lang="en-US" sz="3200" dirty="0"/>
               <a:t>)/n</a:t>
             </a:r>
             <a:endParaRPr lang="en-US" sz="3200" baseline="-25000" dirty="0"/>
@@ -10638,10 +10889,80 @@
           <a:lstStyle/>
           <a:p>
             <a:r>
-              <a:rPr lang="en-US" dirty="0" smtClean="0"/>
+              <a:rPr lang="en-US" dirty="0"/>
               <a:t>:</a:t>
             </a:r>
-            <a:endParaRPr lang="en-US" dirty="0"/>
+          </a:p>
+        </p:txBody>
+      </p:sp>
+      <p:sp>
+        <p:nvSpPr>
+          <p:cNvPr id="3" name="Slide Number Placeholder 2">
+            <a:extLst>
+              <a:ext uri="{FF2B5EF4-FFF2-40B4-BE49-F238E27FC236}">
+                <a16:creationId xmlns:a16="http://schemas.microsoft.com/office/drawing/2014/main" id="{534946D9-8AC2-E64A-91F7-5C6D1B48F569}"/>
+              </a:ext>
+            </a:extLst>
+          </p:cNvPr>
+          <p:cNvSpPr>
+            <a:spLocks noGrp="1"/>
+          </p:cNvSpPr>
+          <p:nvPr>
+            <p:ph type="sldNum" sz="quarter" idx="12"/>
+          </p:nvPr>
+        </p:nvSpPr>
+        <p:spPr/>
+        <p:txBody>
+          <a:bodyPr/>
+          <a:lstStyle/>
+          <a:p>
+            <a:fld id="{9C0B2870-7350-8D40-A01A-CE539DF873CB}" type="slidenum">
+              <a:rPr lang="en-US" smtClean="0"/>
+              <a:t>7</a:t>
+            </a:fld>
+            <a:endParaRPr lang="en-US"/>
+          </a:p>
+        </p:txBody>
+      </p:sp>
+      <p:sp>
+        <p:nvSpPr>
+          <p:cNvPr id="23" name="TextBox 22">
+            <a:extLst>
+              <a:ext uri="{FF2B5EF4-FFF2-40B4-BE49-F238E27FC236}">
+                <a16:creationId xmlns:a16="http://schemas.microsoft.com/office/drawing/2014/main" id="{91CB2929-0AEB-FF40-A2E6-7F33E80CA4CD}"/>
+              </a:ext>
+            </a:extLst>
+          </p:cNvPr>
+          <p:cNvSpPr txBox="1"/>
+          <p:nvPr/>
+        </p:nvSpPr>
+        <p:spPr>
+          <a:xfrm>
+            <a:off x="3138956" y="6581001"/>
+            <a:ext cx="2182072" cy="276999"/>
+          </a:xfrm>
+          <a:prstGeom prst="rect">
+            <a:avLst/>
+          </a:prstGeom>
+          <a:noFill/>
+        </p:spPr>
+        <p:txBody>
+          <a:bodyPr wrap="none" rtlCol="0">
+            <a:spAutoFit/>
+          </a:bodyPr>
+          <a:lstStyle/>
+          <a:p>
+            <a:r>
+              <a:rPr lang="en-US" sz="1200" dirty="0">
+                <a:solidFill>
+                  <a:schemeClr val="tx1">
+                    <a:lumMod val="75000"/>
+                    <a:lumOff val="25000"/>
+                  </a:schemeClr>
+                </a:solidFill>
+              </a:rPr>
+              <a:t>PAT05_AccuracyEstimation.pptx</a:t>
+            </a:r>
           </a:p>
         </p:txBody>
       </p:sp>
@@ -10655,13 +10976,6 @@
   <p:clrMapOvr>
     <a:masterClrMapping/>
   </p:clrMapOvr>
-  <p:timing>
-    <p:tnLst>
-      <p:par>
-        <p:cTn id="1" dur="indefinite" restart="never" nodeType="tmRoot"/>
-      </p:par>
-    </p:tnLst>
-  </p:timing>
 </p:sld>
 </file>
 
@@ -10799,10 +11113,9 @@
           <a:lstStyle/>
           <a:p>
             <a:r>
-              <a:rPr lang="en-US" sz="3200" dirty="0" smtClean="0"/>
+              <a:rPr lang="en-US" sz="3200" dirty="0"/>
               <a:t>Estimating the Accuracy of a Classifier</a:t>
             </a:r>
-            <a:endParaRPr lang="en-US" sz="3200" dirty="0"/>
           </a:p>
         </p:txBody>
       </p:sp>
@@ -10834,14 +11147,13 @@
               </a:lnSpc>
             </a:pPr>
             <a:r>
-              <a:rPr lang="en-US" sz="4000" dirty="0" smtClean="0"/>
+              <a:rPr lang="en-US" sz="4000" dirty="0"/>
               <a:t>η</a:t>
             </a:r>
             <a:r>
-              <a:rPr lang="en-US" sz="4000" baseline="-25000" dirty="0" smtClean="0"/>
+              <a:rPr lang="en-US" sz="4000" baseline="-25000" dirty="0"/>
               <a:t>1</a:t>
             </a:r>
-            <a:endParaRPr lang="en-US" sz="4000" baseline="-25000" dirty="0"/>
           </a:p>
         </p:txBody>
       </p:sp>
@@ -10967,14 +11279,13 @@
               </a:lnSpc>
             </a:pPr>
             <a:r>
-              <a:rPr lang="en-US" sz="4000" dirty="0" smtClean="0"/>
+              <a:rPr lang="en-US" sz="4000" dirty="0"/>
               <a:t>η</a:t>
             </a:r>
             <a:r>
-              <a:rPr lang="en-US" sz="4000" baseline="-25000" dirty="0" smtClean="0"/>
+              <a:rPr lang="en-US" sz="4000" baseline="-25000" dirty="0"/>
               <a:t>2</a:t>
             </a:r>
-            <a:endParaRPr lang="en-US" sz="4000" baseline="-25000" dirty="0"/>
           </a:p>
         </p:txBody>
       </p:sp>
@@ -11100,14 +11411,13 @@
               </a:lnSpc>
             </a:pPr>
             <a:r>
-              <a:rPr lang="en-US" sz="4000" dirty="0" smtClean="0"/>
+              <a:rPr lang="en-US" sz="4000" dirty="0"/>
               <a:t>η</a:t>
             </a:r>
             <a:r>
-              <a:rPr lang="en-US" sz="4000" baseline="-25000" dirty="0" smtClean="0"/>
+              <a:rPr lang="en-US" sz="4000" baseline="-25000" dirty="0"/>
               <a:t>3</a:t>
             </a:r>
-            <a:endParaRPr lang="en-US" sz="4000" baseline="-25000" dirty="0"/>
           </a:p>
         </p:txBody>
       </p:sp>
@@ -11233,11 +11543,11 @@
               </a:lnSpc>
             </a:pPr>
             <a:r>
-              <a:rPr lang="en-US" sz="4000" dirty="0" err="1" smtClean="0"/>
+              <a:rPr lang="en-US" sz="4000" dirty="0" err="1"/>
               <a:t>η</a:t>
             </a:r>
             <a:r>
-              <a:rPr lang="en-US" sz="4000" baseline="-25000" dirty="0" err="1" smtClean="0"/>
+              <a:rPr lang="en-US" sz="4000" baseline="-25000" dirty="0" err="1"/>
               <a:t>N</a:t>
             </a:r>
             <a:endParaRPr lang="en-US" sz="4000" baseline="-25000" dirty="0"/>
@@ -11272,47 +11582,47 @@
               </a:lnSpc>
             </a:pPr>
             <a:r>
-              <a:rPr lang="en-US" sz="3200" dirty="0" err="1" smtClean="0"/>
+              <a:rPr lang="en-US" sz="3200" dirty="0" err="1"/>
               <a:t>η</a:t>
             </a:r>
             <a:r>
-              <a:rPr lang="en-US" sz="3200" dirty="0" smtClean="0"/>
+              <a:rPr lang="en-US" sz="3200" dirty="0"/>
               <a:t> = (η</a:t>
             </a:r>
             <a:r>
-              <a:rPr lang="en-US" sz="3200" baseline="-25000" dirty="0" smtClean="0"/>
+              <a:rPr lang="en-US" sz="3200" baseline="-25000" dirty="0"/>
               <a:t>1</a:t>
             </a:r>
             <a:r>
-              <a:rPr lang="en-US" sz="3200" dirty="0" smtClean="0"/>
+              <a:rPr lang="en-US" sz="3200" dirty="0"/>
               <a:t>+ η</a:t>
             </a:r>
             <a:r>
-              <a:rPr lang="en-US" sz="3200" baseline="-25000" dirty="0" smtClean="0"/>
+              <a:rPr lang="en-US" sz="3200" baseline="-25000" dirty="0"/>
               <a:t>2</a:t>
             </a:r>
             <a:r>
-              <a:rPr lang="en-US" sz="3200" dirty="0" smtClean="0"/>
+              <a:rPr lang="en-US" sz="3200" dirty="0"/>
               <a:t>+ η</a:t>
             </a:r>
             <a:r>
-              <a:rPr lang="en-US" sz="3200" baseline="-25000" dirty="0" smtClean="0"/>
+              <a:rPr lang="en-US" sz="3200" baseline="-25000" dirty="0"/>
               <a:t>3</a:t>
             </a:r>
             <a:r>
-              <a:rPr lang="en-US" sz="3200" dirty="0" smtClean="0"/>
+              <a:rPr lang="en-US" sz="3200" dirty="0"/>
               <a:t>+ . . . + </a:t>
             </a:r>
             <a:r>
-              <a:rPr lang="en-US" sz="3200" dirty="0" err="1" smtClean="0"/>
+              <a:rPr lang="en-US" sz="3200" dirty="0" err="1"/>
               <a:t>η</a:t>
             </a:r>
             <a:r>
-              <a:rPr lang="en-US" sz="3200" baseline="-25000" dirty="0" err="1" smtClean="0"/>
+              <a:rPr lang="en-US" sz="3200" baseline="-25000" dirty="0" err="1"/>
               <a:t>N</a:t>
             </a:r>
             <a:r>
-              <a:rPr lang="en-US" sz="3200" dirty="0" smtClean="0"/>
+              <a:rPr lang="en-US" sz="3200" dirty="0"/>
               <a:t>)/N</a:t>
             </a:r>
             <a:endParaRPr lang="en-US" sz="3200" baseline="-25000" dirty="0"/>
@@ -11392,10 +11702,9 @@
           <a:lstStyle/>
           <a:p>
             <a:r>
-              <a:rPr lang="en-US" dirty="0" smtClean="0"/>
+              <a:rPr lang="en-US" dirty="0"/>
               <a:t>L1: LEAVE ONE OUT (N folds) (N is the number of used samples)</a:t>
             </a:r>
-            <a:endParaRPr lang="en-US" dirty="0"/>
           </a:p>
         </p:txBody>
       </p:sp>
@@ -11422,10 +11731,9 @@
           <a:lstStyle/>
           <a:p>
             <a:r>
-              <a:rPr lang="en-US" sz="1200" dirty="0" smtClean="0"/>
+              <a:rPr lang="en-US" sz="1200" dirty="0"/>
               <a:t>1</a:t>
             </a:r>
-            <a:endParaRPr lang="en-US" sz="1200" dirty="0"/>
           </a:p>
         </p:txBody>
       </p:sp>
@@ -11752,10 +12060,80 @@
           <a:lstStyle/>
           <a:p>
             <a:r>
-              <a:rPr lang="en-US" dirty="0" smtClean="0"/>
+              <a:rPr lang="en-US" dirty="0"/>
               <a:t>:</a:t>
             </a:r>
-            <a:endParaRPr lang="en-US" dirty="0"/>
+          </a:p>
+        </p:txBody>
+      </p:sp>
+      <p:sp>
+        <p:nvSpPr>
+          <p:cNvPr id="2" name="Slide Number Placeholder 1">
+            <a:extLst>
+              <a:ext uri="{FF2B5EF4-FFF2-40B4-BE49-F238E27FC236}">
+                <a16:creationId xmlns:a16="http://schemas.microsoft.com/office/drawing/2014/main" id="{91FF7B40-897E-DF4C-AB1E-0DBBF65CA745}"/>
+              </a:ext>
+            </a:extLst>
+          </p:cNvPr>
+          <p:cNvSpPr>
+            <a:spLocks noGrp="1"/>
+          </p:cNvSpPr>
+          <p:nvPr>
+            <p:ph type="sldNum" sz="quarter" idx="12"/>
+          </p:nvPr>
+        </p:nvSpPr>
+        <p:spPr/>
+        <p:txBody>
+          <a:bodyPr/>
+          <a:lstStyle/>
+          <a:p>
+            <a:fld id="{9C0B2870-7350-8D40-A01A-CE539DF873CB}" type="slidenum">
+              <a:rPr lang="en-US" smtClean="0"/>
+              <a:t>8</a:t>
+            </a:fld>
+            <a:endParaRPr lang="en-US"/>
+          </a:p>
+        </p:txBody>
+      </p:sp>
+      <p:sp>
+        <p:nvSpPr>
+          <p:cNvPr id="38" name="TextBox 37">
+            <a:extLst>
+              <a:ext uri="{FF2B5EF4-FFF2-40B4-BE49-F238E27FC236}">
+                <a16:creationId xmlns:a16="http://schemas.microsoft.com/office/drawing/2014/main" id="{1B5548EF-A657-B14F-A49E-F52964C5315A}"/>
+              </a:ext>
+            </a:extLst>
+          </p:cNvPr>
+          <p:cNvSpPr txBox="1"/>
+          <p:nvPr/>
+        </p:nvSpPr>
+        <p:spPr>
+          <a:xfrm>
+            <a:off x="3138956" y="6581001"/>
+            <a:ext cx="2182072" cy="276999"/>
+          </a:xfrm>
+          <a:prstGeom prst="rect">
+            <a:avLst/>
+          </a:prstGeom>
+          <a:noFill/>
+        </p:spPr>
+        <p:txBody>
+          <a:bodyPr wrap="none" rtlCol="0">
+            <a:spAutoFit/>
+          </a:bodyPr>
+          <a:lstStyle/>
+          <a:p>
+            <a:r>
+              <a:rPr lang="en-US" sz="1200" dirty="0">
+                <a:solidFill>
+                  <a:schemeClr val="tx1">
+                    <a:lumMod val="75000"/>
+                    <a:lumOff val="25000"/>
+                  </a:schemeClr>
+                </a:solidFill>
+              </a:rPr>
+              <a:t>PAT05_AccuracyEstimation.pptx</a:t>
+            </a:r>
           </a:p>
         </p:txBody>
       </p:sp>
@@ -11769,13 +12147,6 @@
   <p:clrMapOvr>
     <a:masterClrMapping/>
   </p:clrMapOvr>
-  <p:timing>
-    <p:tnLst>
-      <p:par>
-        <p:cTn id="1" dur="indefinite" restart="never" nodeType="tmRoot"/>
-      </p:par>
-    </p:tnLst>
-  </p:timing>
 </p:sld>
 </file>
 
@@ -11913,10 +12284,9 @@
           <a:lstStyle/>
           <a:p>
             <a:r>
-              <a:rPr lang="en-US" sz="3200" dirty="0" smtClean="0"/>
+              <a:rPr lang="en-US" sz="3200" dirty="0"/>
               <a:t>Estimating the Accuracy of a Classifier</a:t>
             </a:r>
-            <a:endParaRPr lang="en-US" sz="3200" dirty="0"/>
           </a:p>
         </p:txBody>
       </p:sp>
@@ -11948,14 +12318,13 @@
               </a:lnSpc>
             </a:pPr>
             <a:r>
-              <a:rPr lang="en-US" sz="4000" dirty="0" smtClean="0"/>
+              <a:rPr lang="en-US" sz="4000" dirty="0"/>
               <a:t>η</a:t>
             </a:r>
             <a:r>
-              <a:rPr lang="en-US" sz="4000" baseline="-25000" dirty="0" smtClean="0"/>
+              <a:rPr lang="en-US" sz="4000" baseline="-25000" dirty="0"/>
               <a:t>1</a:t>
             </a:r>
-            <a:endParaRPr lang="en-US" sz="4000" baseline="-25000" dirty="0"/>
           </a:p>
         </p:txBody>
       </p:sp>
@@ -12081,14 +12450,13 @@
               </a:lnSpc>
             </a:pPr>
             <a:r>
-              <a:rPr lang="en-US" sz="4000" dirty="0" smtClean="0"/>
+              <a:rPr lang="en-US" sz="4000" dirty="0"/>
               <a:t>η</a:t>
             </a:r>
             <a:r>
-              <a:rPr lang="en-US" sz="4000" baseline="-25000" dirty="0" smtClean="0"/>
+              <a:rPr lang="en-US" sz="4000" baseline="-25000" dirty="0"/>
               <a:t>2</a:t>
             </a:r>
-            <a:endParaRPr lang="en-US" sz="4000" baseline="-25000" dirty="0"/>
           </a:p>
         </p:txBody>
       </p:sp>
@@ -12214,14 +12582,13 @@
               </a:lnSpc>
             </a:pPr>
             <a:r>
-              <a:rPr lang="en-US" sz="4000" dirty="0" smtClean="0"/>
+              <a:rPr lang="en-US" sz="4000" dirty="0"/>
               <a:t>η</a:t>
             </a:r>
             <a:r>
-              <a:rPr lang="en-US" sz="4000" baseline="-25000" dirty="0" smtClean="0"/>
+              <a:rPr lang="en-US" sz="4000" baseline="-25000" dirty="0"/>
               <a:t>3</a:t>
             </a:r>
-            <a:endParaRPr lang="en-US" sz="4000" baseline="-25000" dirty="0"/>
           </a:p>
         </p:txBody>
       </p:sp>
@@ -12347,11 +12714,11 @@
               </a:lnSpc>
             </a:pPr>
             <a:r>
-              <a:rPr lang="en-US" sz="4000" dirty="0" err="1" smtClean="0"/>
+              <a:rPr lang="en-US" sz="4000" dirty="0" err="1"/>
               <a:t>η</a:t>
             </a:r>
             <a:r>
-              <a:rPr lang="en-US" sz="4000" baseline="-25000" dirty="0" err="1" smtClean="0"/>
+              <a:rPr lang="en-US" sz="4000" baseline="-25000" dirty="0" err="1"/>
               <a:t>n</a:t>
             </a:r>
             <a:endParaRPr lang="en-US" sz="4000" baseline="-25000" dirty="0"/>
@@ -12386,47 +12753,47 @@
               </a:lnSpc>
             </a:pPr>
             <a:r>
-              <a:rPr lang="en-US" sz="3200" dirty="0" err="1" smtClean="0"/>
+              <a:rPr lang="en-US" sz="3200" dirty="0" err="1"/>
               <a:t>η</a:t>
             </a:r>
             <a:r>
-              <a:rPr lang="en-US" sz="3200" dirty="0" smtClean="0"/>
+              <a:rPr lang="en-US" sz="3200" dirty="0"/>
               <a:t> = (η</a:t>
             </a:r>
             <a:r>
-              <a:rPr lang="en-US" sz="3200" baseline="-25000" dirty="0" smtClean="0"/>
+              <a:rPr lang="en-US" sz="3200" baseline="-25000" dirty="0"/>
               <a:t>1</a:t>
             </a:r>
             <a:r>
-              <a:rPr lang="en-US" sz="3200" dirty="0" smtClean="0"/>
+              <a:rPr lang="en-US" sz="3200" dirty="0"/>
               <a:t>+ η</a:t>
             </a:r>
             <a:r>
-              <a:rPr lang="en-US" sz="3200" baseline="-25000" dirty="0" smtClean="0"/>
+              <a:rPr lang="en-US" sz="3200" baseline="-25000" dirty="0"/>
               <a:t>2</a:t>
             </a:r>
             <a:r>
-              <a:rPr lang="en-US" sz="3200" dirty="0" smtClean="0"/>
+              <a:rPr lang="en-US" sz="3200" dirty="0"/>
               <a:t>+ η</a:t>
             </a:r>
             <a:r>
-              <a:rPr lang="en-US" sz="3200" baseline="-25000" dirty="0" smtClean="0"/>
+              <a:rPr lang="en-US" sz="3200" baseline="-25000" dirty="0"/>
               <a:t>3</a:t>
             </a:r>
             <a:r>
-              <a:rPr lang="en-US" sz="3200" dirty="0" smtClean="0"/>
+              <a:rPr lang="en-US" sz="3200" dirty="0"/>
               <a:t>+ . . . + </a:t>
             </a:r>
             <a:r>
-              <a:rPr lang="en-US" sz="3200" dirty="0" err="1" smtClean="0"/>
+              <a:rPr lang="en-US" sz="3200" dirty="0" err="1"/>
               <a:t>η</a:t>
             </a:r>
             <a:r>
-              <a:rPr lang="en-US" sz="3200" baseline="-25000" dirty="0" err="1" smtClean="0"/>
+              <a:rPr lang="en-US" sz="3200" baseline="-25000" dirty="0" err="1"/>
               <a:t>n</a:t>
             </a:r>
             <a:r>
-              <a:rPr lang="en-US" sz="3200" dirty="0" smtClean="0"/>
+              <a:rPr lang="en-US" sz="3200" dirty="0"/>
               <a:t>)/n</a:t>
             </a:r>
             <a:endParaRPr lang="en-US" sz="3200" baseline="-25000" dirty="0"/>
@@ -12506,10 +12873,9 @@
           <a:lstStyle/>
           <a:p>
             <a:r>
-              <a:rPr lang="en-US" dirty="0" smtClean="0"/>
+              <a:rPr lang="en-US" dirty="0"/>
               <a:t>L1*: LEAVE ONE OUT (n folds) (with n&lt;N)</a:t>
             </a:r>
-            <a:endParaRPr lang="en-US" dirty="0"/>
           </a:p>
         </p:txBody>
       </p:sp>
@@ -12536,10 +12902,9 @@
           <a:lstStyle/>
           <a:p>
             <a:r>
-              <a:rPr lang="en-US" sz="1200" dirty="0" smtClean="0"/>
+              <a:rPr lang="en-US" sz="1200" dirty="0"/>
               <a:t>1</a:t>
             </a:r>
-            <a:endParaRPr lang="en-US" sz="1200" dirty="0"/>
           </a:p>
         </p:txBody>
       </p:sp>
@@ -12866,10 +13231,80 @@
           <a:lstStyle/>
           <a:p>
             <a:r>
-              <a:rPr lang="en-US" dirty="0" smtClean="0"/>
+              <a:rPr lang="en-US" dirty="0"/>
               <a:t>:</a:t>
             </a:r>
-            <a:endParaRPr lang="en-US" dirty="0"/>
+          </a:p>
+        </p:txBody>
+      </p:sp>
+      <p:sp>
+        <p:nvSpPr>
+          <p:cNvPr id="2" name="Slide Number Placeholder 1">
+            <a:extLst>
+              <a:ext uri="{FF2B5EF4-FFF2-40B4-BE49-F238E27FC236}">
+                <a16:creationId xmlns:a16="http://schemas.microsoft.com/office/drawing/2014/main" id="{0045C6B7-1089-8C4E-9801-F2B1EA3036B5}"/>
+              </a:ext>
+            </a:extLst>
+          </p:cNvPr>
+          <p:cNvSpPr>
+            <a:spLocks noGrp="1"/>
+          </p:cNvSpPr>
+          <p:nvPr>
+            <p:ph type="sldNum" sz="quarter" idx="12"/>
+          </p:nvPr>
+        </p:nvSpPr>
+        <p:spPr/>
+        <p:txBody>
+          <a:bodyPr/>
+          <a:lstStyle/>
+          <a:p>
+            <a:fld id="{9C0B2870-7350-8D40-A01A-CE539DF873CB}" type="slidenum">
+              <a:rPr lang="en-US" smtClean="0"/>
+              <a:t>9</a:t>
+            </a:fld>
+            <a:endParaRPr lang="en-US"/>
+          </a:p>
+        </p:txBody>
+      </p:sp>
+      <p:sp>
+        <p:nvSpPr>
+          <p:cNvPr id="38" name="TextBox 37">
+            <a:extLst>
+              <a:ext uri="{FF2B5EF4-FFF2-40B4-BE49-F238E27FC236}">
+                <a16:creationId xmlns:a16="http://schemas.microsoft.com/office/drawing/2014/main" id="{F7A1EB1D-848D-1E42-A95E-41348E0A808B}"/>
+              </a:ext>
+            </a:extLst>
+          </p:cNvPr>
+          <p:cNvSpPr txBox="1"/>
+          <p:nvPr/>
+        </p:nvSpPr>
+        <p:spPr>
+          <a:xfrm>
+            <a:off x="3138956" y="6581001"/>
+            <a:ext cx="2182072" cy="276999"/>
+          </a:xfrm>
+          <a:prstGeom prst="rect">
+            <a:avLst/>
+          </a:prstGeom>
+          <a:noFill/>
+        </p:spPr>
+        <p:txBody>
+          <a:bodyPr wrap="none" rtlCol="0">
+            <a:spAutoFit/>
+          </a:bodyPr>
+          <a:lstStyle/>
+          <a:p>
+            <a:r>
+              <a:rPr lang="en-US" sz="1200" dirty="0">
+                <a:solidFill>
+                  <a:schemeClr val="tx1">
+                    <a:lumMod val="75000"/>
+                    <a:lumOff val="25000"/>
+                  </a:schemeClr>
+                </a:solidFill>
+              </a:rPr>
+              <a:t>PAT05_AccuracyEstimation.pptx</a:t>
+            </a:r>
           </a:p>
         </p:txBody>
       </p:sp>
@@ -12883,13 +13318,6 @@
   <p:clrMapOvr>
     <a:masterClrMapping/>
   </p:clrMapOvr>
-  <p:timing>
-    <p:tnLst>
-      <p:par>
-        <p:cTn id="1" dur="indefinite" restart="never" nodeType="tmRoot"/>
-      </p:par>
-    </p:tnLst>
-  </p:timing>
 </p:sld>
 </file>
 

--- a/clases/Cap05_Evaluacion/presentations/PAT05_AccuracyEstimation.pptx
+++ b/clases/Cap05_Evaluacion/presentations/PAT05_AccuracyEstimation.pptx
@@ -218,7 +218,7 @@
           <a:p>
             <a:fld id="{089CB84B-3086-824D-91F5-F571CFDD3E7D}" type="datetimeFigureOut">
               <a:rPr lang="en-US" smtClean="0"/>
-              <a:t>6/11/20</a:t>
+              <a:t>6/12/20</a:t>
             </a:fld>
             <a:endParaRPr lang="en-US"/>
           </a:p>
@@ -758,7 +758,7 @@
           <a:p>
             <a:fld id="{A30D54B3-8F98-4944-A987-F41B1C38F654}" type="datetime1">
               <a:rPr lang="en-AU" smtClean="0"/>
-              <a:t>11/6/20</a:t>
+              <a:t>12/6/20</a:t>
             </a:fld>
             <a:endParaRPr lang="en-US"/>
           </a:p>
@@ -928,7 +928,7 @@
           <a:p>
             <a:fld id="{85D44E0C-36B7-FC45-A118-2276D47A5525}" type="datetime1">
               <a:rPr lang="en-AU" smtClean="0"/>
-              <a:t>11/6/20</a:t>
+              <a:t>12/6/20</a:t>
             </a:fld>
             <a:endParaRPr lang="en-US"/>
           </a:p>
@@ -1108,7 +1108,7 @@
           <a:p>
             <a:fld id="{FE26F47D-1989-8445-9B94-6D266A527266}" type="datetime1">
               <a:rPr lang="en-AU" smtClean="0"/>
-              <a:t>11/6/20</a:t>
+              <a:t>12/6/20</a:t>
             </a:fld>
             <a:endParaRPr lang="en-US"/>
           </a:p>
@@ -1278,7 +1278,7 @@
           <a:p>
             <a:fld id="{D6D9D083-EF68-684D-B379-675B18B27376}" type="datetime1">
               <a:rPr lang="en-AU" smtClean="0"/>
-              <a:t>11/6/20</a:t>
+              <a:t>12/6/20</a:t>
             </a:fld>
             <a:endParaRPr lang="en-US"/>
           </a:p>
@@ -1524,7 +1524,7 @@
           <a:p>
             <a:fld id="{880B2635-E0AD-DE48-8E9A-EF5903DF8F0A}" type="datetime1">
               <a:rPr lang="en-AU" smtClean="0"/>
-              <a:t>11/6/20</a:t>
+              <a:t>12/6/20</a:t>
             </a:fld>
             <a:endParaRPr lang="en-US"/>
           </a:p>
@@ -1812,7 +1812,7 @@
           <a:p>
             <a:fld id="{3098491B-1398-3446-8D88-7F26024BC0BA}" type="datetime1">
               <a:rPr lang="en-AU" smtClean="0"/>
-              <a:t>11/6/20</a:t>
+              <a:t>12/6/20</a:t>
             </a:fld>
             <a:endParaRPr lang="en-US"/>
           </a:p>
@@ -2234,7 +2234,7 @@
           <a:p>
             <a:fld id="{0578F2CE-7587-B349-922E-2FC2E9DFD740}" type="datetime1">
               <a:rPr lang="en-AU" smtClean="0"/>
-              <a:t>11/6/20</a:t>
+              <a:t>12/6/20</a:t>
             </a:fld>
             <a:endParaRPr lang="en-US"/>
           </a:p>
@@ -2352,7 +2352,7 @@
           <a:p>
             <a:fld id="{02E602E2-D4B4-7B44-B490-7CC2754CC1E7}" type="datetime1">
               <a:rPr lang="en-AU" smtClean="0"/>
-              <a:t>11/6/20</a:t>
+              <a:t>12/6/20</a:t>
             </a:fld>
             <a:endParaRPr lang="en-US"/>
           </a:p>
@@ -2447,7 +2447,7 @@
           <a:p>
             <a:fld id="{3998A8DF-ABDC-9A4A-99FD-38D7B8A6CE74}" type="datetime1">
               <a:rPr lang="en-AU" smtClean="0"/>
-              <a:t>11/6/20</a:t>
+              <a:t>12/6/20</a:t>
             </a:fld>
             <a:endParaRPr lang="en-US"/>
           </a:p>
@@ -2724,7 +2724,7 @@
           <a:p>
             <a:fld id="{1930E876-A6DC-2D42-B9B0-572592736682}" type="datetime1">
               <a:rPr lang="en-AU" smtClean="0"/>
-              <a:t>11/6/20</a:t>
+              <a:t>12/6/20</a:t>
             </a:fld>
             <a:endParaRPr lang="en-US"/>
           </a:p>
@@ -2977,7 +2977,7 @@
           <a:p>
             <a:fld id="{AB29A4D1-E518-7640-901E-D5BC44E5E99C}" type="datetime1">
               <a:rPr lang="en-AU" smtClean="0"/>
-              <a:t>11/6/20</a:t>
+              <a:t>12/6/20</a:t>
             </a:fld>
             <a:endParaRPr lang="en-US"/>
           </a:p>
@@ -3188,7 +3188,7 @@
           <a:p>
             <a:fld id="{71A7BFC8-0B8D-7645-9148-1EAA51F3DE4F}" type="datetime1">
               <a:rPr lang="en-AU" smtClean="0"/>
-              <a:t>11/6/20</a:t>
+              <a:t>12/6/20</a:t>
             </a:fld>
             <a:endParaRPr lang="en-US"/>
           </a:p>
@@ -3582,8 +3582,8 @@
         </p:nvSpPr>
         <p:spPr bwMode="auto">
           <a:xfrm>
-            <a:off x="2510099" y="1690179"/>
-            <a:ext cx="4090483" cy="3724096"/>
+            <a:off x="2509588" y="1690179"/>
+            <a:ext cx="4091505" cy="3539430"/>
           </a:xfrm>
           <a:prstGeom prst="rect">
             <a:avLst/>
@@ -3959,13 +3959,10 @@
                 </a:solidFill>
                 <a:latin typeface="Trebuchet MS" pitchFamily="34" charset="0"/>
               </a:rPr>
-              <a:t>Universidad Católica de Chile</a:t>
-            </a:r>
-          </a:p>
-          <a:p>
-            <a:pPr algn="ctr"/>
-            <a:r>
-              <a:rPr lang="es-CL" sz="1200" dirty="0">
+              <a:t>Universidad Católica </a:t>
+            </a:r>
+            <a:r>
+              <a:rPr lang="es-CL" sz="1200">
                 <a:solidFill>
                   <a:schemeClr val="bg1">
                     <a:lumMod val="75000"/>
@@ -3973,9 +3970,9 @@
                 </a:solidFill>
                 <a:latin typeface="Trebuchet MS" pitchFamily="34" charset="0"/>
               </a:rPr>
-              <a:t>Semestre 2018-1</a:t>
-            </a:r>
-            <a:endParaRPr lang="en-US" sz="1200" dirty="0">
+              <a:t>de Chile</a:t>
+            </a:r>
+            <a:endParaRPr lang="es-CL" sz="1200" dirty="0">
               <a:solidFill>
                 <a:schemeClr val="bg1">
                   <a:lumMod val="75000"/>

--- a/clases/Cap05_Evaluacion/presentations/PAT05_AccuracyEstimation.pptx
+++ b/clases/Cap05_Evaluacion/presentations/PAT05_AccuracyEstimation.pptx
@@ -218,7 +218,7 @@
           <a:p>
             <a:fld id="{089CB84B-3086-824D-91F5-F571CFDD3E7D}" type="datetimeFigureOut">
               <a:rPr lang="en-US" smtClean="0"/>
-              <a:t>6/12/20</a:t>
+              <a:t>6/7/21</a:t>
             </a:fld>
             <a:endParaRPr lang="en-US"/>
           </a:p>
@@ -758,7 +758,7 @@
           <a:p>
             <a:fld id="{A30D54B3-8F98-4944-A987-F41B1C38F654}" type="datetime1">
               <a:rPr lang="en-AU" smtClean="0"/>
-              <a:t>12/6/20</a:t>
+              <a:t>7/6/21</a:t>
             </a:fld>
             <a:endParaRPr lang="en-US"/>
           </a:p>
@@ -928,7 +928,7 @@
           <a:p>
             <a:fld id="{85D44E0C-36B7-FC45-A118-2276D47A5525}" type="datetime1">
               <a:rPr lang="en-AU" smtClean="0"/>
-              <a:t>12/6/20</a:t>
+              <a:t>7/6/21</a:t>
             </a:fld>
             <a:endParaRPr lang="en-US"/>
           </a:p>
@@ -1108,7 +1108,7 @@
           <a:p>
             <a:fld id="{FE26F47D-1989-8445-9B94-6D266A527266}" type="datetime1">
               <a:rPr lang="en-AU" smtClean="0"/>
-              <a:t>12/6/20</a:t>
+              <a:t>7/6/21</a:t>
             </a:fld>
             <a:endParaRPr lang="en-US"/>
           </a:p>
@@ -1278,7 +1278,7 @@
           <a:p>
             <a:fld id="{D6D9D083-EF68-684D-B379-675B18B27376}" type="datetime1">
               <a:rPr lang="en-AU" smtClean="0"/>
-              <a:t>12/6/20</a:t>
+              <a:t>7/6/21</a:t>
             </a:fld>
             <a:endParaRPr lang="en-US"/>
           </a:p>
@@ -1524,7 +1524,7 @@
           <a:p>
             <a:fld id="{880B2635-E0AD-DE48-8E9A-EF5903DF8F0A}" type="datetime1">
               <a:rPr lang="en-AU" smtClean="0"/>
-              <a:t>12/6/20</a:t>
+              <a:t>7/6/21</a:t>
             </a:fld>
             <a:endParaRPr lang="en-US"/>
           </a:p>
@@ -1812,7 +1812,7 @@
           <a:p>
             <a:fld id="{3098491B-1398-3446-8D88-7F26024BC0BA}" type="datetime1">
               <a:rPr lang="en-AU" smtClean="0"/>
-              <a:t>12/6/20</a:t>
+              <a:t>7/6/21</a:t>
             </a:fld>
             <a:endParaRPr lang="en-US"/>
           </a:p>
@@ -2234,7 +2234,7 @@
           <a:p>
             <a:fld id="{0578F2CE-7587-B349-922E-2FC2E9DFD740}" type="datetime1">
               <a:rPr lang="en-AU" smtClean="0"/>
-              <a:t>12/6/20</a:t>
+              <a:t>7/6/21</a:t>
             </a:fld>
             <a:endParaRPr lang="en-US"/>
           </a:p>
@@ -2352,7 +2352,7 @@
           <a:p>
             <a:fld id="{02E602E2-D4B4-7B44-B490-7CC2754CC1E7}" type="datetime1">
               <a:rPr lang="en-AU" smtClean="0"/>
-              <a:t>12/6/20</a:t>
+              <a:t>7/6/21</a:t>
             </a:fld>
             <a:endParaRPr lang="en-US"/>
           </a:p>
@@ -2447,7 +2447,7 @@
           <a:p>
             <a:fld id="{3998A8DF-ABDC-9A4A-99FD-38D7B8A6CE74}" type="datetime1">
               <a:rPr lang="en-AU" smtClean="0"/>
-              <a:t>12/6/20</a:t>
+              <a:t>7/6/21</a:t>
             </a:fld>
             <a:endParaRPr lang="en-US"/>
           </a:p>
@@ -2724,7 +2724,7 @@
           <a:p>
             <a:fld id="{1930E876-A6DC-2D42-B9B0-572592736682}" type="datetime1">
               <a:rPr lang="en-AU" smtClean="0"/>
-              <a:t>12/6/20</a:t>
+              <a:t>7/6/21</a:t>
             </a:fld>
             <a:endParaRPr lang="en-US"/>
           </a:p>
@@ -2977,7 +2977,7 @@
           <a:p>
             <a:fld id="{AB29A4D1-E518-7640-901E-D5BC44E5E99C}" type="datetime1">
               <a:rPr lang="en-AU" smtClean="0"/>
-              <a:t>12/6/20</a:t>
+              <a:t>7/6/21</a:t>
             </a:fld>
             <a:endParaRPr lang="en-US"/>
           </a:p>
@@ -3188,7 +3188,7 @@
           <a:p>
             <a:fld id="{71A7BFC8-0B8D-7645-9148-1EAA51F3DE4F}" type="datetime1">
               <a:rPr lang="en-AU" smtClean="0"/>
-              <a:t>12/6/20</a:t>
+              <a:t>7/6/21</a:t>
             </a:fld>
             <a:endParaRPr lang="en-US"/>
           </a:p>
@@ -6086,7 +6086,7 @@
         <p:spPr>
           <a:xfrm>
             <a:off x="168071" y="359531"/>
-            <a:ext cx="2775144" cy="1938992"/>
+            <a:ext cx="2896242" cy="1938992"/>
           </a:xfrm>
           <a:prstGeom prst="rect">
             <a:avLst/>
@@ -6118,12 +6118,6 @@
           <a:p>
             <a:r>
               <a:rPr lang="en-US" sz="2000" dirty="0"/>
-              <a:t>N = 1000 (available data)</a:t>
-            </a:r>
-          </a:p>
-          <a:p>
-            <a:r>
-              <a:rPr lang="en-US" sz="2000" dirty="0"/>
               <a:t>N</a:t>
             </a:r>
             <a:r>
@@ -6132,7 +6126,13 @@
             </a:r>
             <a:r>
               <a:rPr lang="en-US" sz="2000" dirty="0"/>
-              <a:t> used data</a:t>
+              <a:t> = 1000 (available data)</a:t>
+            </a:r>
+          </a:p>
+          <a:p>
+            <a:r>
+              <a:rPr lang="en-US" sz="2000" dirty="0"/>
+              <a:t>N used data</a:t>
             </a:r>
           </a:p>
         </p:txBody>

--- a/clases/Cap05_Evaluacion/presentations/PAT05_AccuracyEstimation.pptx
+++ b/clases/Cap05_Evaluacion/presentations/PAT05_AccuracyEstimation.pptx
@@ -6280,6 +6280,159 @@
           </a:p>
         </p:txBody>
       </p:sp>
+      <p:sp>
+        <p:nvSpPr>
+          <p:cNvPr id="13" name="Rectangle 12">
+            <a:extLst>
+              <a:ext uri="{FF2B5EF4-FFF2-40B4-BE49-F238E27FC236}">
+                <a16:creationId xmlns:a16="http://schemas.microsoft.com/office/drawing/2014/main" id="{EB2232AC-8B26-0849-8DB2-5F4EE44387B4}"/>
+              </a:ext>
+            </a:extLst>
+          </p:cNvPr>
+          <p:cNvSpPr/>
+          <p:nvPr/>
+        </p:nvSpPr>
+        <p:spPr>
+          <a:xfrm>
+            <a:off x="6451600" y="431800"/>
+            <a:ext cx="2451100" cy="2476500"/>
+          </a:xfrm>
+          <a:prstGeom prst="rect">
+            <a:avLst/>
+          </a:prstGeom>
+          <a:solidFill>
+            <a:schemeClr val="bg1"/>
+          </a:solidFill>
+          <a:ln>
+            <a:noFill/>
+          </a:ln>
+          <a:effectLst/>
+        </p:spPr>
+        <p:style>
+          <a:lnRef idx="1">
+            <a:schemeClr val="accent1"/>
+          </a:lnRef>
+          <a:fillRef idx="3">
+            <a:schemeClr val="accent1"/>
+          </a:fillRef>
+          <a:effectRef idx="2">
+            <a:schemeClr val="accent1"/>
+          </a:effectRef>
+          <a:fontRef idx="minor">
+            <a:schemeClr val="lt1"/>
+          </a:fontRef>
+        </p:style>
+        <p:txBody>
+          <a:bodyPr rtlCol="0" anchor="ctr"/>
+          <a:lstStyle/>
+          <a:p>
+            <a:pPr algn="ctr"/>
+            <a:endParaRPr lang="en-US"/>
+          </a:p>
+        </p:txBody>
+      </p:sp>
+      <p:sp>
+        <p:nvSpPr>
+          <p:cNvPr id="14" name="Rectangle 13">
+            <a:extLst>
+              <a:ext uri="{FF2B5EF4-FFF2-40B4-BE49-F238E27FC236}">
+                <a16:creationId xmlns:a16="http://schemas.microsoft.com/office/drawing/2014/main" id="{FD4EEC74-D63F-B740-BB41-6732E540545E}"/>
+              </a:ext>
+            </a:extLst>
+          </p:cNvPr>
+          <p:cNvSpPr/>
+          <p:nvPr/>
+        </p:nvSpPr>
+        <p:spPr>
+          <a:xfrm>
+            <a:off x="6394450" y="3045463"/>
+            <a:ext cx="2451100" cy="2186937"/>
+          </a:xfrm>
+          <a:prstGeom prst="rect">
+            <a:avLst/>
+          </a:prstGeom>
+          <a:solidFill>
+            <a:schemeClr val="bg1"/>
+          </a:solidFill>
+          <a:ln>
+            <a:noFill/>
+          </a:ln>
+          <a:effectLst/>
+        </p:spPr>
+        <p:style>
+          <a:lnRef idx="1">
+            <a:schemeClr val="accent1"/>
+          </a:lnRef>
+          <a:fillRef idx="3">
+            <a:schemeClr val="accent1"/>
+          </a:fillRef>
+          <a:effectRef idx="2">
+            <a:schemeClr val="accent1"/>
+          </a:effectRef>
+          <a:fontRef idx="minor">
+            <a:schemeClr val="lt1"/>
+          </a:fontRef>
+        </p:style>
+        <p:txBody>
+          <a:bodyPr rtlCol="0" anchor="ctr"/>
+          <a:lstStyle/>
+          <a:p>
+            <a:pPr algn="ctr"/>
+            <a:endParaRPr lang="en-US"/>
+          </a:p>
+        </p:txBody>
+      </p:sp>
+      <p:sp>
+        <p:nvSpPr>
+          <p:cNvPr id="15" name="Rectangle 14">
+            <a:extLst>
+              <a:ext uri="{FF2B5EF4-FFF2-40B4-BE49-F238E27FC236}">
+                <a16:creationId xmlns:a16="http://schemas.microsoft.com/office/drawing/2014/main" id="{11587E6C-7729-2649-8088-3425244E650E}"/>
+              </a:ext>
+            </a:extLst>
+          </p:cNvPr>
+          <p:cNvSpPr/>
+          <p:nvPr/>
+        </p:nvSpPr>
+        <p:spPr>
+          <a:xfrm>
+            <a:off x="6451600" y="5187950"/>
+            <a:ext cx="2451100" cy="1238250"/>
+          </a:xfrm>
+          <a:prstGeom prst="rect">
+            <a:avLst/>
+          </a:prstGeom>
+          <a:solidFill>
+            <a:schemeClr val="bg1"/>
+          </a:solidFill>
+          <a:ln>
+            <a:noFill/>
+          </a:ln>
+          <a:effectLst/>
+        </p:spPr>
+        <p:style>
+          <a:lnRef idx="1">
+            <a:schemeClr val="accent1"/>
+          </a:lnRef>
+          <a:fillRef idx="3">
+            <a:schemeClr val="accent1"/>
+          </a:fillRef>
+          <a:effectRef idx="2">
+            <a:schemeClr val="accent1"/>
+          </a:effectRef>
+          <a:fontRef idx="minor">
+            <a:schemeClr val="lt1"/>
+          </a:fontRef>
+        </p:style>
+        <p:txBody>
+          <a:bodyPr rtlCol="0" anchor="ctr"/>
+          <a:lstStyle/>
+          <a:p>
+            <a:pPr algn="ctr"/>
+            <a:endParaRPr lang="en-US"/>
+          </a:p>
+        </p:txBody>
+      </p:sp>
     </p:spTree>
     <p:extLst>
       <p:ext uri="{BB962C8B-B14F-4D97-AF65-F5344CB8AC3E}">
@@ -6343,6 +6496,186 @@
                       </p:childTnLst>
                     </p:cTn>
                   </p:par>
+                  <p:par>
+                    <p:cTn id="7" fill="hold">
+                      <p:stCondLst>
+                        <p:cond delay="indefinite"/>
+                      </p:stCondLst>
+                      <p:childTnLst>
+                        <p:par>
+                          <p:cTn id="8" fill="hold">
+                            <p:stCondLst>
+                              <p:cond delay="0"/>
+                            </p:stCondLst>
+                            <p:childTnLst>
+                              <p:par>
+                                <p:cTn id="9" presetID="1" presetClass="exit" presetSubtype="0" fill="hold" grpId="1" nodeType="clickEffect">
+                                  <p:stCondLst>
+                                    <p:cond delay="0"/>
+                                  </p:stCondLst>
+                                  <p:childTnLst>
+                                    <p:set>
+                                      <p:cBhvr>
+                                        <p:cTn id="10" dur="1" fill="hold">
+                                          <p:stCondLst>
+                                            <p:cond delay="0"/>
+                                          </p:stCondLst>
+                                        </p:cTn>
+                                        <p:tgtEl>
+                                          <p:spTgt spid="8"/>
+                                        </p:tgtEl>
+                                        <p:attrNameLst>
+                                          <p:attrName>style.visibility</p:attrName>
+                                        </p:attrNameLst>
+                                      </p:cBhvr>
+                                      <p:to>
+                                        <p:strVal val="hidden"/>
+                                      </p:to>
+                                    </p:set>
+                                  </p:childTnLst>
+                                </p:cTn>
+                              </p:par>
+                            </p:childTnLst>
+                          </p:cTn>
+                        </p:par>
+                      </p:childTnLst>
+                    </p:cTn>
+                  </p:par>
+                  <p:par>
+                    <p:cTn id="11" fill="hold">
+                      <p:stCondLst>
+                        <p:cond delay="indefinite"/>
+                      </p:stCondLst>
+                      <p:childTnLst>
+                        <p:par>
+                          <p:cTn id="12" fill="hold">
+                            <p:stCondLst>
+                              <p:cond delay="0"/>
+                            </p:stCondLst>
+                            <p:childTnLst>
+                              <p:par>
+                                <p:cTn id="13" presetID="1" presetClass="exit" presetSubtype="0" fill="hold" grpId="0" nodeType="clickEffect">
+                                  <p:stCondLst>
+                                    <p:cond delay="0"/>
+                                  </p:stCondLst>
+                                  <p:childTnLst>
+                                    <p:set>
+                                      <p:cBhvr>
+                                        <p:cTn id="14" dur="1" fill="hold">
+                                          <p:stCondLst>
+                                            <p:cond delay="0"/>
+                                          </p:stCondLst>
+                                        </p:cTn>
+                                        <p:tgtEl>
+                                          <p:spTgt spid="13"/>
+                                        </p:tgtEl>
+                                        <p:attrNameLst>
+                                          <p:attrName>style.visibility</p:attrName>
+                                        </p:attrNameLst>
+                                      </p:cBhvr>
+                                      <p:to>
+                                        <p:strVal val="hidden"/>
+                                      </p:to>
+                                    </p:set>
+                                  </p:childTnLst>
+                                </p:cTn>
+                              </p:par>
+                            </p:childTnLst>
+                          </p:cTn>
+                        </p:par>
+                      </p:childTnLst>
+                    </p:cTn>
+                  </p:par>
+                  <p:par>
+                    <p:cTn id="15" fill="hold">
+                      <p:stCondLst>
+                        <p:cond delay="indefinite"/>
+                      </p:stCondLst>
+                      <p:childTnLst>
+                        <p:par>
+                          <p:cTn id="16" fill="hold">
+                            <p:stCondLst>
+                              <p:cond delay="0"/>
+                            </p:stCondLst>
+                            <p:childTnLst>
+                              <p:par>
+                                <p:cTn id="17" presetID="1" presetClass="exit" presetSubtype="0" fill="hold" grpId="0" nodeType="clickEffect">
+                                  <p:stCondLst>
+                                    <p:cond delay="0"/>
+                                  </p:stCondLst>
+                                  <p:childTnLst>
+                                    <p:set>
+                                      <p:cBhvr>
+                                        <p:cTn id="18" dur="1" fill="hold">
+                                          <p:stCondLst>
+                                            <p:cond delay="0"/>
+                                          </p:stCondLst>
+                                        </p:cTn>
+                                        <p:tgtEl>
+                                          <p:spTgt spid="14"/>
+                                        </p:tgtEl>
+                                        <p:attrNameLst>
+                                          <p:attrName>style.visibility</p:attrName>
+                                        </p:attrNameLst>
+                                      </p:cBhvr>
+                                      <p:to>
+                                        <p:strVal val="hidden"/>
+                                      </p:to>
+                                    </p:set>
+                                  </p:childTnLst>
+                                </p:cTn>
+                              </p:par>
+                            </p:childTnLst>
+                          </p:cTn>
+                        </p:par>
+                      </p:childTnLst>
+                    </p:cTn>
+                  </p:par>
+                  <p:par>
+                    <p:cTn id="19" fill="hold">
+                      <p:stCondLst>
+                        <p:cond delay="indefinite"/>
+                      </p:stCondLst>
+                      <p:childTnLst>
+                        <p:par>
+                          <p:cTn id="20" fill="hold">
+                            <p:stCondLst>
+                              <p:cond delay="0"/>
+                            </p:stCondLst>
+                            <p:childTnLst>
+                              <p:par>
+                                <p:cTn id="21" presetID="1" presetClass="exit" presetSubtype="0" fill="hold" grpId="0" nodeType="clickEffect">
+                                  <p:stCondLst>
+                                    <p:cond delay="0"/>
+                                  </p:stCondLst>
+                                  <p:childTnLst>
+                                    <p:set>
+                                      <p:cBhvr>
+                                        <p:cTn id="22" dur="1" fill="hold">
+                                          <p:stCondLst>
+                                            <p:cond delay="0"/>
+                                          </p:stCondLst>
+                                        </p:cTn>
+                                        <p:tgtEl>
+                                          <p:spTgt spid="15"/>
+                                        </p:tgtEl>
+                                        <p:attrNameLst>
+                                          <p:attrName>style.visibility</p:attrName>
+                                        </p:attrNameLst>
+                                      </p:cBhvr>
+                                      <p:to>
+                                        <p:strVal val="hidden"/>
+                                      </p:to>
+                                    </p:set>
+                                  </p:childTnLst>
+                                </p:cTn>
+                              </p:par>
+                            </p:childTnLst>
+                          </p:cTn>
+                        </p:par>
+                      </p:childTnLst>
+                    </p:cTn>
+                  </p:par>
                 </p:childTnLst>
               </p:cTn>
               <p:prevCondLst>
@@ -6366,6 +6699,10 @@
     </p:tnLst>
     <p:bldLst>
       <p:bldP spid="8" grpId="0" animBg="1"/>
+      <p:bldP spid="8" grpId="1" animBg="1"/>
+      <p:bldP spid="13" grpId="0" animBg="1"/>
+      <p:bldP spid="14" grpId="0" animBg="1"/>
+      <p:bldP spid="15" grpId="0" animBg="1"/>
     </p:bldLst>
   </p:timing>
 </p:sld>
